--- a/Documents/Fall Presentation.pptx
+++ b/Documents/Fall Presentation.pptx
@@ -5,19 +5,21 @@
     <p:sldMasterId id="2147483720" r:id="rId1"/>
   </p:sldMasterIdLst>
   <p:notesMasterIdLst>
-    <p:notesMasterId r:id="rId12"/>
+    <p:notesMasterId r:id="rId14"/>
   </p:notesMasterIdLst>
   <p:sldIdLst>
     <p:sldId id="256" r:id="rId2"/>
     <p:sldId id="257" r:id="rId3"/>
-    <p:sldId id="260" r:id="rId4"/>
-    <p:sldId id="262" r:id="rId5"/>
-    <p:sldId id="258" r:id="rId6"/>
-    <p:sldId id="259" r:id="rId7"/>
-    <p:sldId id="263" r:id="rId8"/>
-    <p:sldId id="264" r:id="rId9"/>
-    <p:sldId id="265" r:id="rId10"/>
-    <p:sldId id="261" r:id="rId11"/>
+    <p:sldId id="266" r:id="rId4"/>
+    <p:sldId id="267" r:id="rId5"/>
+    <p:sldId id="260" r:id="rId6"/>
+    <p:sldId id="262" r:id="rId7"/>
+    <p:sldId id="258" r:id="rId8"/>
+    <p:sldId id="259" r:id="rId9"/>
+    <p:sldId id="263" r:id="rId10"/>
+    <p:sldId id="264" r:id="rId11"/>
+    <p:sldId id="265" r:id="rId12"/>
+    <p:sldId id="261" r:id="rId13"/>
   </p:sldIdLst>
   <p:sldSz cx="9144000" cy="6858000" type="screen4x3"/>
   <p:notesSz cx="6858000" cy="9144000"/>
@@ -201,7 +203,7 @@
           <a:p>
             <a:fld id="{67A4EB17-C5FC-49D1-A71D-C9F02B1D23E4}" type="datetimeFigureOut">
               <a:rPr lang="en-US" smtClean="0"/>
-              <a:t>10/22/2012</a:t>
+              <a:t>10/23/2012</a:t>
             </a:fld>
             <a:endParaRPr lang="en-US"/>
           </a:p>
@@ -603,7 +605,187 @@
           <a:p>
             <a:r>
               <a:rPr lang="en-US" dirty="0" smtClean="0"/>
-              <a:t>- formative usability study (give the tool to a bunch of people, and give them a questionnaire at the end)</a:t>
+              <a:t>Richard</a:t>
+            </a:r>
+            <a:endParaRPr lang="en-US" dirty="0"/>
+          </a:p>
+        </p:txBody>
+      </p:sp>
+      <p:sp>
+        <p:nvSpPr>
+          <p:cNvPr id="4" name="Slide Number Placeholder 3"/>
+          <p:cNvSpPr>
+            <a:spLocks noGrp="1"/>
+          </p:cNvSpPr>
+          <p:nvPr>
+            <p:ph type="sldNum" sz="quarter" idx="10"/>
+          </p:nvPr>
+        </p:nvSpPr>
+        <p:spPr/>
+        <p:txBody>
+          <a:bodyPr/>
+          <a:lstStyle/>
+          <a:p>
+            <a:fld id="{8742AF28-0671-470C-9E39-9D2CA052E123}" type="slidenum">
+              <a:rPr lang="en-US" smtClean="0"/>
+              <a:t>10</a:t>
+            </a:fld>
+            <a:endParaRPr lang="en-US"/>
+          </a:p>
+        </p:txBody>
+      </p:sp>
+    </p:spTree>
+    <p:extLst>
+      <p:ext uri="{BB962C8B-B14F-4D97-AF65-F5344CB8AC3E}">
+        <p14:creationId xmlns:p14="http://schemas.microsoft.com/office/powerpoint/2010/main" val="3897906061"/>
+      </p:ext>
+    </p:extLst>
+  </p:cSld>
+  <p:clrMapOvr>
+    <a:masterClrMapping/>
+  </p:clrMapOvr>
+</p:notes>
+</file>
+
+<file path=ppt/notesSlides/notesSlide11.xml><?xml version="1.0" encoding="utf-8"?>
+<p:notes xmlns:a="http://schemas.openxmlformats.org/drawingml/2006/main" xmlns:r="http://schemas.openxmlformats.org/officeDocument/2006/relationships" xmlns:p="http://schemas.openxmlformats.org/presentationml/2006/main">
+  <p:cSld>
+    <p:spTree>
+      <p:nvGrpSpPr>
+        <p:cNvPr id="1" name=""/>
+        <p:cNvGrpSpPr/>
+        <p:nvPr/>
+      </p:nvGrpSpPr>
+      <p:grpSpPr>
+        <a:xfrm>
+          <a:off x="0" y="0"/>
+          <a:ext cx="0" cy="0"/>
+          <a:chOff x="0" y="0"/>
+          <a:chExt cx="0" cy="0"/>
+        </a:xfrm>
+      </p:grpSpPr>
+      <p:sp>
+        <p:nvSpPr>
+          <p:cNvPr id="2" name="Slide Image Placeholder 1"/>
+          <p:cNvSpPr>
+            <a:spLocks noGrp="1" noRot="1" noChangeAspect="1"/>
+          </p:cNvSpPr>
+          <p:nvPr>
+            <p:ph type="sldImg"/>
+          </p:nvPr>
+        </p:nvSpPr>
+        <p:spPr/>
+      </p:sp>
+      <p:sp>
+        <p:nvSpPr>
+          <p:cNvPr id="3" name="Notes Placeholder 2"/>
+          <p:cNvSpPr>
+            <a:spLocks noGrp="1"/>
+          </p:cNvSpPr>
+          <p:nvPr>
+            <p:ph type="body" idx="1"/>
+          </p:nvPr>
+        </p:nvSpPr>
+        <p:spPr/>
+        <p:txBody>
+          <a:bodyPr/>
+          <a:lstStyle/>
+          <a:p>
+            <a:r>
+              <a:rPr lang="en-US" dirty="0" smtClean="0"/>
+              <a:t>Kurtis</a:t>
+            </a:r>
+            <a:endParaRPr lang="en-US" dirty="0"/>
+          </a:p>
+        </p:txBody>
+      </p:sp>
+      <p:sp>
+        <p:nvSpPr>
+          <p:cNvPr id="4" name="Slide Number Placeholder 3"/>
+          <p:cNvSpPr>
+            <a:spLocks noGrp="1"/>
+          </p:cNvSpPr>
+          <p:nvPr>
+            <p:ph type="sldNum" sz="quarter" idx="10"/>
+          </p:nvPr>
+        </p:nvSpPr>
+        <p:spPr/>
+        <p:txBody>
+          <a:bodyPr/>
+          <a:lstStyle/>
+          <a:p>
+            <a:fld id="{8742AF28-0671-470C-9E39-9D2CA052E123}" type="slidenum">
+              <a:rPr lang="en-US" smtClean="0"/>
+              <a:t>11</a:t>
+            </a:fld>
+            <a:endParaRPr lang="en-US"/>
+          </a:p>
+        </p:txBody>
+      </p:sp>
+    </p:spTree>
+    <p:extLst>
+      <p:ext uri="{BB962C8B-B14F-4D97-AF65-F5344CB8AC3E}">
+        <p14:creationId xmlns:p14="http://schemas.microsoft.com/office/powerpoint/2010/main" val="3897906061"/>
+      </p:ext>
+    </p:extLst>
+  </p:cSld>
+  <p:clrMapOvr>
+    <a:masterClrMapping/>
+  </p:clrMapOvr>
+</p:notes>
+</file>
+
+<file path=ppt/notesSlides/notesSlide12.xml><?xml version="1.0" encoding="utf-8"?>
+<p:notes xmlns:a="http://schemas.openxmlformats.org/drawingml/2006/main" xmlns:r="http://schemas.openxmlformats.org/officeDocument/2006/relationships" xmlns:p="http://schemas.openxmlformats.org/presentationml/2006/main">
+  <p:cSld>
+    <p:spTree>
+      <p:nvGrpSpPr>
+        <p:cNvPr id="1" name=""/>
+        <p:cNvGrpSpPr/>
+        <p:nvPr/>
+      </p:nvGrpSpPr>
+      <p:grpSpPr>
+        <a:xfrm>
+          <a:off x="0" y="0"/>
+          <a:ext cx="0" cy="0"/>
+          <a:chOff x="0" y="0"/>
+          <a:chExt cx="0" cy="0"/>
+        </a:xfrm>
+      </p:grpSpPr>
+      <p:sp>
+        <p:nvSpPr>
+          <p:cNvPr id="2" name="Slide Image Placeholder 1"/>
+          <p:cNvSpPr>
+            <a:spLocks noGrp="1" noRot="1" noChangeAspect="1"/>
+          </p:cNvSpPr>
+          <p:nvPr>
+            <p:ph type="sldImg"/>
+          </p:nvPr>
+        </p:nvSpPr>
+        <p:spPr/>
+      </p:sp>
+      <p:sp>
+        <p:nvSpPr>
+          <p:cNvPr id="3" name="Notes Placeholder 2"/>
+          <p:cNvSpPr>
+            <a:spLocks noGrp="1"/>
+          </p:cNvSpPr>
+          <p:nvPr>
+            <p:ph type="body" idx="1"/>
+          </p:nvPr>
+        </p:nvSpPr>
+        <p:spPr/>
+        <p:txBody>
+          <a:bodyPr/>
+          <a:lstStyle/>
+          <a:p>
+            <a:r>
+              <a:rPr lang="en-US" dirty="0" smtClean="0"/>
+              <a:t>-  </a:t>
+            </a:r>
+            <a:r>
+              <a:rPr lang="en-US" dirty="0" smtClean="0"/>
+              <a:t>formative usability study (give the tool to a bunch of people, and give them a questionnaire at the end)</a:t>
             </a:r>
           </a:p>
           <a:p>
@@ -613,60 +795,12 @@
             </a:pPr>
             <a:r>
               <a:rPr lang="en-US" dirty="0" smtClean="0"/>
-              <a:t>summative usability study (observe each user at a time, more detailed)</a:t>
-            </a:r>
-          </a:p>
-          <a:p>
-            <a:pPr marL="171450" indent="-171450">
-              <a:buFontTx/>
-              <a:buChar char="-"/>
-            </a:pPr>
+              <a:t>summative usability study (observe each user at a time, more </a:t>
+            </a:r>
             <a:r>
               <a:rPr lang="en-US" dirty="0" smtClean="0"/>
-              <a:t>Consider asking 220 profs when they’ll be teaching certain </a:t>
-            </a:r>
-            <a:r>
-              <a:rPr lang="en-US" dirty="0" smtClean="0"/>
-              <a:t>algorithms</a:t>
-            </a:r>
-          </a:p>
-          <a:p>
-            <a:pPr marL="171450" indent="-171450">
-              <a:buFontTx/>
-              <a:buChar char="-"/>
-            </a:pPr>
-            <a:endParaRPr lang="en-US" dirty="0" smtClean="0"/>
-          </a:p>
-          <a:p>
-            <a:pPr marL="171450" indent="-171450">
-              <a:buFontTx/>
-              <a:buChar char="-"/>
-            </a:pPr>
-            <a:r>
-              <a:rPr lang="en-US" dirty="0" smtClean="0"/>
-              <a:t>We are building a PDL to use for this</a:t>
-            </a:r>
-            <a:r>
-              <a:rPr lang="en-US" baseline="0" dirty="0" smtClean="0"/>
-              <a:t> project.</a:t>
-            </a:r>
-          </a:p>
-          <a:p>
-            <a:pPr marL="171450" indent="-171450">
-              <a:buFontTx/>
-              <a:buChar char="-"/>
-            </a:pPr>
-            <a:r>
-              <a:rPr lang="en-US" baseline="0" dirty="0" smtClean="0"/>
-              <a:t>We have done benchmarking to find the best match in the code base, but we need to benchmark the recommendation algorithms.</a:t>
-            </a:r>
-            <a:endParaRPr lang="en-US" dirty="0" smtClean="0"/>
-          </a:p>
-          <a:p>
-            <a:pPr marL="171450" indent="-171450">
-              <a:buFontTx/>
-              <a:buChar char="-"/>
-            </a:pPr>
+              <a:t>detailed)</a:t>
+            </a:r>
             <a:endParaRPr lang="en-US" dirty="0" smtClean="0"/>
           </a:p>
           <a:p>
@@ -699,7 +833,7 @@
           <a:p>
             <a:fld id="{8742AF28-0671-470C-9E39-9D2CA052E123}" type="slidenum">
               <a:rPr lang="en-US" smtClean="0"/>
-              <a:t>10</a:t>
+              <a:t>12</a:t>
             </a:fld>
             <a:endParaRPr lang="en-US"/>
           </a:p>
@@ -771,27 +905,25 @@
             <a:endParaRPr lang="en-US" dirty="0" smtClean="0"/>
           </a:p>
           <a:p>
-            <a:pPr marL="0" marR="0" indent="0" algn="l" defTabSz="914400" rtl="0" eaLnBrk="1" fontAlgn="auto" latinLnBrk="0" hangingPunct="1">
-              <a:lnSpc>
-                <a:spcPct val="100000"/>
-              </a:lnSpc>
-              <a:spcBef>
-                <a:spcPts val="0"/>
-              </a:spcBef>
-              <a:spcAft>
-                <a:spcPts val="0"/>
-              </a:spcAft>
-              <a:buClrTx/>
-              <a:buSzTx/>
-              <a:buFontTx/>
-              <a:buNone/>
-              <a:tabLst/>
-              <a:defRPr/>
-            </a:pPr>
             <a:r>
               <a:rPr lang="en-US" dirty="0" smtClean="0"/>
-              <a:t>*flow chart of student using tool*</a:t>
-            </a:r>
+              <a:t>AST requires lots</a:t>
+            </a:r>
+            <a:r>
+              <a:rPr lang="en-US" baseline="0" dirty="0" smtClean="0"/>
+              <a:t> of heuristics,</a:t>
+            </a:r>
+          </a:p>
+          <a:p>
+            <a:r>
+              <a:rPr lang="en-US" baseline="0" dirty="0" smtClean="0"/>
+              <a:t>CFG gives us more info to infer off </a:t>
+            </a:r>
+            <a:r>
+              <a:rPr lang="en-US" baseline="0" dirty="0" smtClean="0"/>
+              <a:t>of</a:t>
+            </a:r>
+            <a:endParaRPr lang="en-US" dirty="0" smtClean="0"/>
           </a:p>
         </p:txBody>
       </p:sp>
@@ -877,18 +1009,9 @@
           <a:p>
             <a:r>
               <a:rPr lang="en-US" dirty="0" smtClean="0"/>
-              <a:t>Richard</a:t>
-            </a:r>
-          </a:p>
-          <a:p>
+              <a:t>Kurtis</a:t>
+            </a:r>
             <a:endParaRPr lang="en-US" dirty="0" smtClean="0"/>
-          </a:p>
-          <a:p>
-            <a:r>
-              <a:rPr lang="en-US" dirty="0" smtClean="0"/>
-              <a:t>- Other recommendations from RSSE</a:t>
-            </a:r>
-            <a:endParaRPr lang="en-US" dirty="0"/>
           </a:p>
         </p:txBody>
       </p:sp>
@@ -918,7 +1041,7 @@
     </p:spTree>
     <p:extLst>
       <p:ext uri="{BB962C8B-B14F-4D97-AF65-F5344CB8AC3E}">
-        <p14:creationId xmlns:p14="http://schemas.microsoft.com/office/powerpoint/2010/main" val="311709586"/>
+        <p14:creationId xmlns:p14="http://schemas.microsoft.com/office/powerpoint/2010/main" val="656304251"/>
       </p:ext>
     </p:extLst>
   </p:cSld>
@@ -972,16 +1095,11 @@
           <a:bodyPr/>
           <a:lstStyle/>
           <a:p>
-            <a:pPr marL="0" indent="0">
-              <a:buNone/>
-            </a:pPr>
             <a:r>
               <a:rPr lang="en-US" dirty="0" smtClean="0"/>
-              <a:t>Kurtis</a:t>
-            </a:r>
-          </a:p>
-          <a:p>
-            <a:endParaRPr lang="en-US" dirty="0"/>
+              <a:t>Richard</a:t>
+            </a:r>
+            <a:endParaRPr lang="en-US" dirty="0" smtClean="0"/>
           </a:p>
         </p:txBody>
       </p:sp>
@@ -1011,7 +1129,7 @@
     </p:spTree>
     <p:extLst>
       <p:ext uri="{BB962C8B-B14F-4D97-AF65-F5344CB8AC3E}">
-        <p14:creationId xmlns:p14="http://schemas.microsoft.com/office/powerpoint/2010/main" val="2692808897"/>
+        <p14:creationId xmlns:p14="http://schemas.microsoft.com/office/powerpoint/2010/main" val="656304251"/>
       </p:ext>
     </p:extLst>
   </p:cSld>
@@ -1067,56 +1185,31 @@
           <a:p>
             <a:r>
               <a:rPr lang="en-US" dirty="0" smtClean="0"/>
-              <a:t>Limitations:</a:t>
-            </a:r>
+              <a:t>Richard</a:t>
+            </a:r>
+          </a:p>
+          <a:p>
+            <a:endParaRPr lang="en-US" dirty="0" smtClean="0"/>
           </a:p>
           <a:p>
             <a:r>
               <a:rPr lang="en-US" dirty="0" smtClean="0"/>
-              <a:t>- when do we give recommendations?</a:t>
-            </a:r>
+              <a:t>- RSSE = SW app that gives</a:t>
+            </a:r>
+            <a:r>
+              <a:rPr lang="en-US" baseline="0" dirty="0" smtClean="0"/>
+              <a:t> you useful information in a given </a:t>
+            </a:r>
+            <a:r>
+              <a:rPr lang="en-US" baseline="0" dirty="0" smtClean="0"/>
+              <a:t>context</a:t>
+            </a:r>
+            <a:endParaRPr lang="en-US" dirty="0" smtClean="0"/>
           </a:p>
           <a:p>
             <a:r>
               <a:rPr lang="en-US" dirty="0" smtClean="0"/>
-              <a:t>- what if we give incorrect recommendations? (consider offering multiple recommendations)</a:t>
-            </a:r>
-          </a:p>
-          <a:p>
-            <a:pPr marL="171450" indent="-171450">
-              <a:buFontTx/>
-              <a:buChar char="-"/>
-            </a:pPr>
-            <a:r>
-              <a:rPr lang="en-US" dirty="0" smtClean="0"/>
-              <a:t>now what if you offer multiple recommendations and there are too many, consider prioritizing them, now how do we prioritize the? (consider usability study)</a:t>
-            </a:r>
-          </a:p>
-          <a:p>
-            <a:pPr marL="171450" indent="-171450">
-              <a:buFontTx/>
-              <a:buChar char="-"/>
-            </a:pPr>
-            <a:r>
-              <a:rPr lang="en-US" dirty="0" smtClean="0"/>
-              <a:t>amount of data could limit how fast we can react.  consider using heuristics for analysis triggering, probabilistic modeling (a solution shouldn't even be considered)</a:t>
-            </a:r>
-          </a:p>
-          <a:p>
-            <a:pPr marL="171450" indent="-171450">
-              <a:buFontTx/>
-              <a:buChar char="-"/>
-            </a:pPr>
-            <a:endParaRPr lang="en-US" dirty="0" smtClean="0"/>
-          </a:p>
-          <a:p>
-            <a:pPr marL="0" indent="0">
-              <a:buFontTx/>
-              <a:buNone/>
-            </a:pPr>
-            <a:r>
-              <a:rPr lang="en-US" dirty="0" smtClean="0"/>
-              <a:t>Richard</a:t>
+              <a:t>- Other recommendations from RSSE</a:t>
             </a:r>
             <a:endParaRPr lang="en-US" dirty="0"/>
           </a:p>
@@ -1148,7 +1241,7 @@
     </p:spTree>
     <p:extLst>
       <p:ext uri="{BB962C8B-B14F-4D97-AF65-F5344CB8AC3E}">
-        <p14:creationId xmlns:p14="http://schemas.microsoft.com/office/powerpoint/2010/main" val="3175888598"/>
+        <p14:creationId xmlns:p14="http://schemas.microsoft.com/office/powerpoint/2010/main" val="311709586"/>
       </p:ext>
     </p:extLst>
   </p:cSld>
@@ -1202,106 +1295,15 @@
           <a:bodyPr/>
           <a:lstStyle/>
           <a:p>
-            <a:pPr marL="0" marR="0" indent="0" algn="l" defTabSz="914400" rtl="0" eaLnBrk="1" fontAlgn="auto" latinLnBrk="0" hangingPunct="1">
-              <a:lnSpc>
-                <a:spcPct val="100000"/>
-              </a:lnSpc>
-              <a:spcBef>
-                <a:spcPts val="0"/>
-              </a:spcBef>
-              <a:spcAft>
-                <a:spcPts val="0"/>
-              </a:spcAft>
-              <a:buClrTx/>
-              <a:buSzTx/>
-              <a:buFontTx/>
-              <a:buNone/>
-              <a:tabLst/>
-              <a:defRPr/>
+            <a:pPr marL="0" indent="0">
+              <a:buNone/>
             </a:pPr>
-            <a:r>
-              <a:rPr lang="en-US" dirty="0" smtClean="0"/>
-              <a:t>Progress</a:t>
-            </a:r>
-          </a:p>
-          <a:p>
-            <a:pPr marL="228600" marR="0" indent="-228600" algn="l" defTabSz="914400" rtl="0" eaLnBrk="1" fontAlgn="auto" latinLnBrk="0" hangingPunct="1">
-              <a:lnSpc>
-                <a:spcPct val="100000"/>
-              </a:lnSpc>
-              <a:spcBef>
-                <a:spcPts val="0"/>
-              </a:spcBef>
-              <a:spcAft>
-                <a:spcPts val="0"/>
-              </a:spcAft>
-              <a:buClrTx/>
-              <a:buSzTx/>
-              <a:buFontTx/>
-              <a:buAutoNum type="arabicPeriod"/>
-              <a:tabLst/>
-              <a:defRPr/>
-            </a:pPr>
-            <a:r>
-              <a:rPr lang="en-US" dirty="0" smtClean="0"/>
-              <a:t>Graph matching</a:t>
-            </a:r>
-          </a:p>
-          <a:p>
-            <a:pPr marL="228600" marR="0" indent="-228600" algn="l" defTabSz="914400" rtl="0" eaLnBrk="1" fontAlgn="auto" latinLnBrk="0" hangingPunct="1">
-              <a:lnSpc>
-                <a:spcPct val="100000"/>
-              </a:lnSpc>
-              <a:spcBef>
-                <a:spcPts val="0"/>
-              </a:spcBef>
-              <a:spcAft>
-                <a:spcPts val="0"/>
-              </a:spcAft>
-              <a:buClrTx/>
-              <a:buSzTx/>
-              <a:buFontTx/>
-              <a:buAutoNum type="arabicPeriod"/>
-              <a:tabLst/>
-              <a:defRPr/>
-            </a:pPr>
-            <a:r>
-              <a:rPr lang="en-US" dirty="0" smtClean="0"/>
-              <a:t>Recommendations</a:t>
-            </a:r>
-          </a:p>
-          <a:p>
-            <a:pPr marL="228600" marR="0" indent="-228600" algn="l" defTabSz="914400" rtl="0" eaLnBrk="1" fontAlgn="auto" latinLnBrk="0" hangingPunct="1">
-              <a:lnSpc>
-                <a:spcPct val="100000"/>
-              </a:lnSpc>
-              <a:spcBef>
-                <a:spcPts val="0"/>
-              </a:spcBef>
-              <a:spcAft>
-                <a:spcPts val="0"/>
-              </a:spcAft>
-              <a:buClrTx/>
-              <a:buSzTx/>
-              <a:buFontTx/>
-              <a:buAutoNum type="arabicPeriod"/>
-              <a:tabLst/>
-              <a:defRPr/>
-            </a:pPr>
-            <a:r>
-              <a:rPr lang="en-US" dirty="0" smtClean="0"/>
-              <a:t>Eclipse</a:t>
-            </a:r>
-            <a:endParaRPr lang="en-US" dirty="0" smtClean="0"/>
-          </a:p>
-          <a:p>
-            <a:endParaRPr lang="en-US" dirty="0" smtClean="0"/>
-          </a:p>
-          <a:p>
             <a:r>
               <a:rPr lang="en-US" dirty="0" smtClean="0"/>
               <a:t>Kurtis</a:t>
             </a:r>
+          </a:p>
+          <a:p>
             <a:endParaRPr lang="en-US" dirty="0"/>
           </a:p>
         </p:txBody>
@@ -1332,7 +1334,7 @@
     </p:spTree>
     <p:extLst>
       <p:ext uri="{BB962C8B-B14F-4D97-AF65-F5344CB8AC3E}">
-        <p14:creationId xmlns:p14="http://schemas.microsoft.com/office/powerpoint/2010/main" val="3897906061"/>
+        <p14:creationId xmlns:p14="http://schemas.microsoft.com/office/powerpoint/2010/main" val="2692808897"/>
       </p:ext>
     </p:extLst>
   </p:cSld>
@@ -1386,35 +1388,58 @@
           <a:bodyPr/>
           <a:lstStyle/>
           <a:p>
-            <a:pPr marL="0" marR="0" indent="0" algn="l" defTabSz="914400" rtl="0" eaLnBrk="1" fontAlgn="auto" latinLnBrk="0" hangingPunct="1">
-              <a:lnSpc>
-                <a:spcPct val="100000"/>
-              </a:lnSpc>
-              <a:spcBef>
-                <a:spcPts val="0"/>
-              </a:spcBef>
-              <a:spcAft>
-                <a:spcPts val="0"/>
-              </a:spcAft>
-              <a:buClrTx/>
-              <a:buSzTx/>
+            <a:r>
+              <a:rPr lang="en-US" dirty="0" smtClean="0"/>
+              <a:t>Limitations:</a:t>
+            </a:r>
+          </a:p>
+          <a:p>
+            <a:r>
+              <a:rPr lang="en-US" dirty="0" smtClean="0"/>
+              <a:t>- when do we give recommendations?</a:t>
+            </a:r>
+          </a:p>
+          <a:p>
+            <a:r>
+              <a:rPr lang="en-US" dirty="0" smtClean="0"/>
+              <a:t>- what if we give incorrect recommendations? (consider offering multiple recommendations)</a:t>
+            </a:r>
+          </a:p>
+          <a:p>
+            <a:pPr marL="171450" indent="-171450">
               <a:buFontTx/>
-              <a:buNone/>
-              <a:tabLst/>
-              <a:defRPr/>
+              <a:buChar char="-"/>
             </a:pPr>
             <a:r>
               <a:rPr lang="en-US" dirty="0" smtClean="0"/>
-              <a:t>(cite and give one-sentence summaries, name + title is good enough for citing)</a:t>
-            </a:r>
-          </a:p>
-          <a:p>
+              <a:t>now what if you offer multiple recommendations and there are too many, consider prioritizing them, now how do we prioritize the? (consider usability study)</a:t>
+            </a:r>
+          </a:p>
+          <a:p>
+            <a:pPr marL="171450" indent="-171450">
+              <a:buFontTx/>
+              <a:buChar char="-"/>
+            </a:pPr>
+            <a:r>
+              <a:rPr lang="en-US" dirty="0" smtClean="0"/>
+              <a:t>amount of data could limit how fast we can react.  consider using heuristics for analysis triggering, probabilistic modeling (a solution shouldn't even be considered)</a:t>
+            </a:r>
+          </a:p>
+          <a:p>
+            <a:pPr marL="171450" indent="-171450">
+              <a:buFontTx/>
+              <a:buChar char="-"/>
+            </a:pPr>
             <a:endParaRPr lang="en-US" dirty="0" smtClean="0"/>
           </a:p>
           <a:p>
+            <a:pPr marL="0" indent="0">
+              <a:buFontTx/>
+              <a:buNone/>
+            </a:pPr>
             <a:r>
               <a:rPr lang="en-US" dirty="0" smtClean="0"/>
-              <a:t>Kurtis</a:t>
+              <a:t>Richard</a:t>
             </a:r>
             <a:endParaRPr lang="en-US" dirty="0"/>
           </a:p>
@@ -1446,7 +1471,7 @@
     </p:spTree>
     <p:extLst>
       <p:ext uri="{BB962C8B-B14F-4D97-AF65-F5344CB8AC3E}">
-        <p14:creationId xmlns:p14="http://schemas.microsoft.com/office/powerpoint/2010/main" val="3897906061"/>
+        <p14:creationId xmlns:p14="http://schemas.microsoft.com/office/powerpoint/2010/main" val="3175888598"/>
       </p:ext>
     </p:extLst>
   </p:cSld>
@@ -1519,15 +1544,11 @@
             </a:pPr>
             <a:r>
               <a:rPr lang="en-US" dirty="0" smtClean="0"/>
-              <a:t>We can construct the common</a:t>
-            </a:r>
-            <a:r>
-              <a:rPr lang="en-US" baseline="0" dirty="0" smtClean="0"/>
-              <a:t> components. We need to be able to suggest (approximately) the minimal number of edits from those common components to reach the target tree/graph.</a:t>
-            </a:r>
-          </a:p>
-          <a:p>
-            <a:pPr marL="0" marR="0" indent="0" algn="l" defTabSz="914400" rtl="0" eaLnBrk="1" fontAlgn="auto" latinLnBrk="0" hangingPunct="1">
+              <a:t>Progress</a:t>
+            </a:r>
+          </a:p>
+          <a:p>
+            <a:pPr marL="228600" marR="0" indent="-228600" algn="l" defTabSz="914400" rtl="0" eaLnBrk="1" fontAlgn="auto" latinLnBrk="0" hangingPunct="1">
               <a:lnSpc>
                 <a:spcPct val="100000"/>
               </a:lnSpc>
@@ -1540,14 +1561,17 @@
               <a:buClrTx/>
               <a:buSzTx/>
               <a:buFontTx/>
-              <a:buNone/>
+              <a:buAutoNum type="arabicPeriod"/>
               <a:tabLst/>
               <a:defRPr/>
             </a:pPr>
-            <a:endParaRPr lang="en-US" baseline="0" dirty="0" smtClean="0"/>
-          </a:p>
-          <a:p>
-            <a:pPr marL="0" marR="0" indent="0" algn="l" defTabSz="914400" rtl="0" eaLnBrk="1" fontAlgn="auto" latinLnBrk="0" hangingPunct="1">
+            <a:r>
+              <a:rPr lang="en-US" dirty="0" smtClean="0"/>
+              <a:t>Graph matching</a:t>
+            </a:r>
+          </a:p>
+          <a:p>
+            <a:pPr marL="228600" marR="0" indent="-228600" algn="l" defTabSz="914400" rtl="0" eaLnBrk="1" fontAlgn="auto" latinLnBrk="0" hangingPunct="1">
               <a:lnSpc>
                 <a:spcPct val="100000"/>
               </a:lnSpc>
@@ -1560,23 +1584,45 @@
               <a:buClrTx/>
               <a:buSzTx/>
               <a:buFontTx/>
-              <a:buNone/>
+              <a:buAutoNum type="arabicPeriod"/>
               <a:tabLst/>
               <a:defRPr/>
             </a:pPr>
             <a:r>
-              <a:rPr lang="en-US" baseline="0" dirty="0" smtClean="0"/>
-              <a:t>PUT A DIAGRAM OF A TREE EDIT ON THIS SLIDE.</a:t>
-            </a:r>
+              <a:rPr lang="en-US" dirty="0" smtClean="0"/>
+              <a:t>Recommendations</a:t>
+            </a:r>
+          </a:p>
+          <a:p>
+            <a:pPr marL="228600" marR="0" indent="-228600" algn="l" defTabSz="914400" rtl="0" eaLnBrk="1" fontAlgn="auto" latinLnBrk="0" hangingPunct="1">
+              <a:lnSpc>
+                <a:spcPct val="100000"/>
+              </a:lnSpc>
+              <a:spcBef>
+                <a:spcPts val="0"/>
+              </a:spcBef>
+              <a:spcAft>
+                <a:spcPts val="0"/>
+              </a:spcAft>
+              <a:buClrTx/>
+              <a:buSzTx/>
+              <a:buFontTx/>
+              <a:buAutoNum type="arabicPeriod"/>
+              <a:tabLst/>
+              <a:defRPr/>
+            </a:pPr>
+            <a:r>
+              <a:rPr lang="en-US" dirty="0" smtClean="0"/>
+              <a:t>Eclipse</a:t>
+            </a:r>
+          </a:p>
+          <a:p>
             <a:endParaRPr lang="en-US" dirty="0" smtClean="0"/>
           </a:p>
           <a:p>
-            <a:endParaRPr lang="en-US" dirty="0" smtClean="0"/>
-          </a:p>
-          <a:p>
             <a:r>
               <a:rPr lang="en-US" dirty="0" smtClean="0"/>
-              <a:t>Richard</a:t>
+              <a:t>Kurtis</a:t>
             </a:r>
             <a:endParaRPr lang="en-US" dirty="0"/>
           </a:p>
@@ -1662,33 +1708,6 @@
           <a:bodyPr/>
           <a:lstStyle/>
           <a:p>
-            <a:pPr marL="0" marR="0" indent="0" algn="l" defTabSz="914400" rtl="0" eaLnBrk="1" fontAlgn="auto" latinLnBrk="0" hangingPunct="1">
-              <a:lnSpc>
-                <a:spcPct val="100000"/>
-              </a:lnSpc>
-              <a:spcBef>
-                <a:spcPts val="0"/>
-              </a:spcBef>
-              <a:spcAft>
-                <a:spcPts val="0"/>
-              </a:spcAft>
-              <a:buClrTx/>
-              <a:buSzTx/>
-              <a:buFontTx/>
-              <a:buNone/>
-              <a:tabLst/>
-              <a:defRPr/>
-            </a:pPr>
-            <a:r>
-              <a:rPr lang="en-US" dirty="0" smtClean="0"/>
-              <a:t>ECLIPSE PLUGIN ARCHITECTURE DIAGRAM</a:t>
-            </a:r>
-            <a:endParaRPr lang="en-US" dirty="0" smtClean="0"/>
-          </a:p>
-          <a:p>
-            <a:endParaRPr lang="en-US" dirty="0" smtClean="0"/>
-          </a:p>
-          <a:p>
             <a:r>
               <a:rPr lang="en-US" dirty="0" smtClean="0"/>
               <a:t>Kurtis</a:t>
@@ -1925,9 +1944,9 @@
           <a:bodyPr/>
           <a:lstStyle/>
           <a:p>
-            <a:fld id="{21E35472-69AB-435C-AED3-C981D0FEDDF3}" type="datetimeFigureOut">
-              <a:rPr lang="en-US" smtClean="0"/>
-              <a:t>10/22/2012</a:t>
+            <a:fld id="{B5640F25-B914-4E97-A7E2-9FA8CFA3CC96}" type="datetime1">
+              <a:rPr lang="en-US" smtClean="0"/>
+              <a:t>10/23/2012</a:t>
             </a:fld>
             <a:endParaRPr lang="en-US"/>
           </a:p>
@@ -2090,9 +2109,9 @@
           <a:bodyPr/>
           <a:lstStyle/>
           <a:p>
-            <a:fld id="{21E35472-69AB-435C-AED3-C981D0FEDDF3}" type="datetimeFigureOut">
-              <a:rPr lang="en-US" smtClean="0"/>
-              <a:t>10/22/2012</a:t>
+            <a:fld id="{C4C9EF03-0B8C-4CA3-9FF2-4E1FC0CD3656}" type="datetime1">
+              <a:rPr lang="en-US" smtClean="0"/>
+              <a:t>10/23/2012</a:t>
             </a:fld>
             <a:endParaRPr lang="en-US"/>
           </a:p>
@@ -2265,9 +2284,9 @@
           <a:bodyPr/>
           <a:lstStyle/>
           <a:p>
-            <a:fld id="{21E35472-69AB-435C-AED3-C981D0FEDDF3}" type="datetimeFigureOut">
-              <a:rPr lang="en-US" smtClean="0"/>
-              <a:t>10/22/2012</a:t>
+            <a:fld id="{E899911C-C2F8-43BA-8CD6-74FBAE6F4366}" type="datetime1">
+              <a:rPr lang="en-US" smtClean="0"/>
+              <a:t>10/23/2012</a:t>
             </a:fld>
             <a:endParaRPr lang="en-US"/>
           </a:p>
@@ -2430,9 +2449,9 @@
           <a:bodyPr/>
           <a:lstStyle/>
           <a:p>
-            <a:fld id="{21E35472-69AB-435C-AED3-C981D0FEDDF3}" type="datetimeFigureOut">
-              <a:rPr lang="en-US" smtClean="0"/>
-              <a:t>10/22/2012</a:t>
+            <a:fld id="{01337148-F21E-455A-88C0-11B43C84AD78}" type="datetime1">
+              <a:rPr lang="en-US" smtClean="0"/>
+              <a:t>10/23/2012</a:t>
             </a:fld>
             <a:endParaRPr lang="en-US"/>
           </a:p>
@@ -2671,9 +2690,9 @@
           <a:bodyPr/>
           <a:lstStyle/>
           <a:p>
-            <a:fld id="{21E35472-69AB-435C-AED3-C981D0FEDDF3}" type="datetimeFigureOut">
-              <a:rPr lang="en-US" smtClean="0"/>
-              <a:t>10/22/2012</a:t>
+            <a:fld id="{34CE8F15-2C16-4D90-98E1-070D4962C394}" type="datetime1">
+              <a:rPr lang="en-US" smtClean="0"/>
+              <a:t>10/23/2012</a:t>
             </a:fld>
             <a:endParaRPr lang="en-US"/>
           </a:p>
@@ -2954,9 +2973,9 @@
           <a:bodyPr/>
           <a:lstStyle/>
           <a:p>
-            <a:fld id="{21E35472-69AB-435C-AED3-C981D0FEDDF3}" type="datetimeFigureOut">
-              <a:rPr lang="en-US" smtClean="0"/>
-              <a:t>10/22/2012</a:t>
+            <a:fld id="{962DEBF3-FDB3-4C49-812A-A3F6CB36BD8F}" type="datetime1">
+              <a:rPr lang="en-US" smtClean="0"/>
+              <a:t>10/23/2012</a:t>
             </a:fld>
             <a:endParaRPr lang="en-US"/>
           </a:p>
@@ -3383,9 +3402,9 @@
           <a:bodyPr/>
           <a:lstStyle/>
           <a:p>
-            <a:fld id="{21E35472-69AB-435C-AED3-C981D0FEDDF3}" type="datetimeFigureOut">
-              <a:rPr lang="en-US" smtClean="0"/>
-              <a:t>10/22/2012</a:t>
+            <a:fld id="{067B06EE-3E80-4C9B-9BD3-3260244B6A92}" type="datetime1">
+              <a:rPr lang="en-US" smtClean="0"/>
+              <a:t>10/23/2012</a:t>
             </a:fld>
             <a:endParaRPr lang="en-US"/>
           </a:p>
@@ -3496,9 +3515,9 @@
           <a:bodyPr/>
           <a:lstStyle/>
           <a:p>
-            <a:fld id="{21E35472-69AB-435C-AED3-C981D0FEDDF3}" type="datetimeFigureOut">
-              <a:rPr lang="en-US" smtClean="0"/>
-              <a:t>10/22/2012</a:t>
+            <a:fld id="{5FF12AA1-D5F0-41C1-8975-01A60CFEE858}" type="datetime1">
+              <a:rPr lang="en-US" smtClean="0"/>
+              <a:t>10/23/2012</a:t>
             </a:fld>
             <a:endParaRPr lang="en-US"/>
           </a:p>
@@ -3586,9 +3605,9 @@
           <a:bodyPr/>
           <a:lstStyle/>
           <a:p>
-            <a:fld id="{21E35472-69AB-435C-AED3-C981D0FEDDF3}" type="datetimeFigureOut">
-              <a:rPr lang="en-US" smtClean="0"/>
-              <a:t>10/22/2012</a:t>
+            <a:fld id="{E261A706-D1B1-474F-B405-9D6682F48001}" type="datetime1">
+              <a:rPr lang="en-US" smtClean="0"/>
+              <a:t>10/23/2012</a:t>
             </a:fld>
             <a:endParaRPr lang="en-US"/>
           </a:p>
@@ -3775,9 +3794,9 @@
           <a:bodyPr/>
           <a:lstStyle/>
           <a:p>
-            <a:fld id="{21E35472-69AB-435C-AED3-C981D0FEDDF3}" type="datetimeFigureOut">
-              <a:rPr lang="en-US" smtClean="0"/>
-              <a:t>10/22/2012</a:t>
+            <a:fld id="{B49187F1-DC0D-4415-BA93-E7E2FDC2FA9D}" type="datetime1">
+              <a:rPr lang="en-US" smtClean="0"/>
+              <a:t>10/23/2012</a:t>
             </a:fld>
             <a:endParaRPr lang="en-US"/>
           </a:p>
@@ -4093,9 +4112,9 @@
           <a:bodyPr/>
           <a:lstStyle/>
           <a:p>
-            <a:fld id="{21E35472-69AB-435C-AED3-C981D0FEDDF3}" type="datetimeFigureOut">
-              <a:rPr lang="en-US" smtClean="0"/>
-              <a:t>10/22/2012</a:t>
+            <a:fld id="{2936E564-B9F0-40FE-BC5C-91DB4C440636}" type="datetime1">
+              <a:rPr lang="en-US" smtClean="0"/>
+              <a:t>10/23/2012</a:t>
             </a:fld>
             <a:endParaRPr lang="en-US"/>
           </a:p>
@@ -4472,9 +4491,9 @@
             </a:lvl1pPr>
           </a:lstStyle>
           <a:p>
-            <a:fld id="{21E35472-69AB-435C-AED3-C981D0FEDDF3}" type="datetimeFigureOut">
-              <a:rPr lang="en-US" smtClean="0"/>
-              <a:t>10/22/2012</a:t>
+            <a:fld id="{7F0E548F-4B32-4554-AD1C-F0974015AA91}" type="datetime1">
+              <a:rPr lang="en-US" smtClean="0"/>
+              <a:t>10/23/2012</a:t>
             </a:fld>
             <a:endParaRPr lang="en-US"/>
           </a:p>
@@ -4496,6 +4515,7 @@
     <p:sldLayoutId id="2147483730" r:id="rId10"/>
     <p:sldLayoutId id="2147483731" r:id="rId11"/>
   </p:sldLayoutIdLst>
+  <p:hf hdr="0" ftr="0" dt="0"/>
   <p:txStyles>
     <p:titleStyle>
       <a:lvl1pPr algn="l" defTabSz="914400" rtl="0" eaLnBrk="1" latinLnBrk="0" hangingPunct="1">
@@ -5059,6 +5079,29 @@
           </a:p>
         </p:txBody>
       </p:sp>
+      <p:sp>
+        <p:nvSpPr>
+          <p:cNvPr id="5" name="Slide Number Placeholder 4"/>
+          <p:cNvSpPr>
+            <a:spLocks noGrp="1"/>
+          </p:cNvSpPr>
+          <p:nvPr>
+            <p:ph type="sldNum" sz="quarter" idx="12"/>
+          </p:nvPr>
+        </p:nvSpPr>
+        <p:spPr/>
+        <p:txBody>
+          <a:bodyPr/>
+          <a:lstStyle/>
+          <a:p>
+            <a:fld id="{3AABC387-3E4C-4E29-BE46-EB037DD9B57B}" type="slidenum">
+              <a:rPr lang="en-US" smtClean="0"/>
+              <a:t>1</a:t>
+            </a:fld>
+            <a:endParaRPr lang="en-US"/>
+          </a:p>
+        </p:txBody>
+      </p:sp>
     </p:spTree>
     <p:extLst>
       <p:ext uri="{BB962C8B-B14F-4D97-AF65-F5344CB8AC3E}">
@@ -5113,7 +5156,7 @@
           <a:p>
             <a:r>
               <a:rPr lang="en-US" dirty="0" smtClean="0"/>
-              <a:t>Future directions</a:t>
+              <a:t>Progress: Recommendations</a:t>
             </a:r>
             <a:endParaRPr lang="en-US" dirty="0"/>
           </a:p>
@@ -5129,7 +5172,317 @@
             <p:ph idx="1"/>
           </p:nvPr>
         </p:nvSpPr>
+        <p:spPr>
+          <a:xfrm>
+            <a:off x="457200" y="1600200"/>
+            <a:ext cx="7620000" cy="533400"/>
+          </a:xfrm>
+        </p:spPr>
+        <p:txBody>
+          <a:bodyPr>
+            <a:normAutofit lnSpcReduction="10000"/>
+          </a:bodyPr>
+          <a:lstStyle/>
+          <a:p>
+            <a:pPr marL="0" indent="0">
+              <a:buNone/>
+            </a:pPr>
+            <a:r>
+              <a:rPr lang="en-US" sz="3200" dirty="0" smtClean="0"/>
+              <a:t>pq</a:t>
+            </a:r>
+            <a:r>
+              <a:rPr lang="en-US" sz="3200" dirty="0" smtClean="0"/>
+              <a:t>-Gram				Similarity </a:t>
+            </a:r>
+            <a:r>
+              <a:rPr lang="en-US" sz="3200" dirty="0" smtClean="0"/>
+              <a:t>matrix</a:t>
+            </a:r>
+          </a:p>
+        </p:txBody>
+      </p:sp>
+      <p:sp>
+        <p:nvSpPr>
+          <p:cNvPr id="6" name="Slide Number Placeholder 5"/>
+          <p:cNvSpPr>
+            <a:spLocks noGrp="1"/>
+          </p:cNvSpPr>
+          <p:nvPr>
+            <p:ph type="sldNum" sz="quarter" idx="12"/>
+          </p:nvPr>
+        </p:nvSpPr>
         <p:spPr/>
+        <p:txBody>
+          <a:bodyPr/>
+          <a:lstStyle/>
+          <a:p>
+            <a:fld id="{3AABC387-3E4C-4E29-BE46-EB037DD9B57B}" type="slidenum">
+              <a:rPr lang="en-US" smtClean="0"/>
+              <a:t>10</a:t>
+            </a:fld>
+            <a:endParaRPr lang="en-US"/>
+          </a:p>
+        </p:txBody>
+      </p:sp>
+      <p:pic>
+        <p:nvPicPr>
+          <p:cNvPr id="23" name="Picture 22"/>
+          <p:cNvPicPr/>
+          <p:nvPr/>
+        </p:nvPicPr>
+        <p:blipFill rotWithShape="1">
+          <a:blip r:embed="rId3">
+            <a:extLst>
+              <a:ext uri="{28A0092B-C50C-407E-A947-70E740481C1C}">
+                <a14:useLocalDpi xmlns:a14="http://schemas.microsoft.com/office/drawing/2010/main" val="0"/>
+              </a:ext>
+            </a:extLst>
+          </a:blip>
+          <a:srcRect b="5352"/>
+          <a:stretch/>
+        </p:blipFill>
+        <p:spPr bwMode="auto">
+          <a:xfrm>
+            <a:off x="457200" y="2249185"/>
+            <a:ext cx="3739918" cy="3246359"/>
+          </a:xfrm>
+          <a:prstGeom prst="rect">
+            <a:avLst/>
+          </a:prstGeom>
+          <a:noFill/>
+          <a:ln>
+            <a:noFill/>
+          </a:ln>
+        </p:spPr>
+      </p:pic>
+      <p:pic>
+        <p:nvPicPr>
+          <p:cNvPr id="24" name="Picture 23"/>
+          <p:cNvPicPr/>
+          <p:nvPr/>
+        </p:nvPicPr>
+        <p:blipFill rotWithShape="1">
+          <a:blip r:embed="rId4">
+            <a:extLst>
+              <a:ext uri="{28A0092B-C50C-407E-A947-70E740481C1C}">
+                <a14:useLocalDpi xmlns:a14="http://schemas.microsoft.com/office/drawing/2010/main" val="0"/>
+              </a:ext>
+            </a:extLst>
+          </a:blip>
+          <a:srcRect b="6332"/>
+          <a:stretch/>
+        </p:blipFill>
+        <p:spPr bwMode="auto">
+          <a:xfrm>
+            <a:off x="4235450" y="2249185"/>
+            <a:ext cx="4070350" cy="3246359"/>
+          </a:xfrm>
+          <a:prstGeom prst="rect">
+            <a:avLst/>
+          </a:prstGeom>
+          <a:noFill/>
+          <a:ln>
+            <a:noFill/>
+          </a:ln>
+        </p:spPr>
+      </p:pic>
+      <p:sp>
+        <p:nvSpPr>
+          <p:cNvPr id="9" name="TextBox 8"/>
+          <p:cNvSpPr txBox="1"/>
+          <p:nvPr/>
+        </p:nvSpPr>
+        <p:spPr>
+          <a:xfrm rot="16200000">
+            <a:off x="3657600" y="3770412"/>
+            <a:ext cx="990600" cy="307777"/>
+          </a:xfrm>
+          <a:prstGeom prst="rect">
+            <a:avLst/>
+          </a:prstGeom>
+          <a:noFill/>
+        </p:spPr>
+        <p:txBody>
+          <a:bodyPr wrap="square" rtlCol="0">
+            <a:spAutoFit/>
+          </a:bodyPr>
+          <a:lstStyle/>
+          <a:p>
+            <a:r>
+              <a:rPr lang="en-US" sz="1400" dirty="0" smtClean="0"/>
+              <a:t>Time (ms)</a:t>
+            </a:r>
+            <a:endParaRPr lang="en-US" sz="1400" dirty="0"/>
+          </a:p>
+        </p:txBody>
+      </p:sp>
+      <p:sp>
+        <p:nvSpPr>
+          <p:cNvPr id="25" name="TextBox 24"/>
+          <p:cNvSpPr txBox="1"/>
+          <p:nvPr/>
+        </p:nvSpPr>
+        <p:spPr>
+          <a:xfrm rot="16200000">
+            <a:off x="-112810" y="3770411"/>
+            <a:ext cx="990600" cy="307777"/>
+          </a:xfrm>
+          <a:prstGeom prst="rect">
+            <a:avLst/>
+          </a:prstGeom>
+          <a:noFill/>
+        </p:spPr>
+        <p:txBody>
+          <a:bodyPr wrap="square" rtlCol="0">
+            <a:spAutoFit/>
+          </a:bodyPr>
+          <a:lstStyle/>
+          <a:p>
+            <a:r>
+              <a:rPr lang="en-US" sz="1400" dirty="0" smtClean="0"/>
+              <a:t>Time (ms)</a:t>
+            </a:r>
+            <a:endParaRPr lang="en-US" sz="1400" dirty="0"/>
+          </a:p>
+        </p:txBody>
+      </p:sp>
+      <p:sp>
+        <p:nvSpPr>
+          <p:cNvPr id="10" name="TextBox 9"/>
+          <p:cNvSpPr txBox="1"/>
+          <p:nvPr/>
+        </p:nvSpPr>
+        <p:spPr>
+          <a:xfrm>
+            <a:off x="1676400" y="5486400"/>
+            <a:ext cx="1295400" cy="276999"/>
+          </a:xfrm>
+          <a:prstGeom prst="rect">
+            <a:avLst/>
+          </a:prstGeom>
+          <a:noFill/>
+        </p:spPr>
+        <p:txBody>
+          <a:bodyPr wrap="square" rtlCol="0">
+            <a:spAutoFit/>
+          </a:bodyPr>
+          <a:lstStyle/>
+          <a:p>
+            <a:r>
+              <a:rPr lang="en-US" sz="1200" dirty="0" smtClean="0"/>
+              <a:t>Number of nodes</a:t>
+            </a:r>
+            <a:endParaRPr lang="en-US" sz="1200" dirty="0"/>
+          </a:p>
+        </p:txBody>
+      </p:sp>
+      <p:sp>
+        <p:nvSpPr>
+          <p:cNvPr id="27" name="TextBox 26"/>
+          <p:cNvSpPr txBox="1"/>
+          <p:nvPr/>
+        </p:nvSpPr>
+        <p:spPr>
+          <a:xfrm>
+            <a:off x="5943600" y="5486400"/>
+            <a:ext cx="1295400" cy="276999"/>
+          </a:xfrm>
+          <a:prstGeom prst="rect">
+            <a:avLst/>
+          </a:prstGeom>
+          <a:noFill/>
+        </p:spPr>
+        <p:txBody>
+          <a:bodyPr wrap="square" rtlCol="0">
+            <a:spAutoFit/>
+          </a:bodyPr>
+          <a:lstStyle/>
+          <a:p>
+            <a:r>
+              <a:rPr lang="en-US" sz="1200" dirty="0" smtClean="0"/>
+              <a:t>Number of nodes</a:t>
+            </a:r>
+            <a:endParaRPr lang="en-US" sz="1200" dirty="0"/>
+          </a:p>
+        </p:txBody>
+      </p:sp>
+    </p:spTree>
+    <p:extLst>
+      <p:ext uri="{BB962C8B-B14F-4D97-AF65-F5344CB8AC3E}">
+        <p14:creationId xmlns:p14="http://schemas.microsoft.com/office/powerpoint/2010/main" val="2579849260"/>
+      </p:ext>
+    </p:extLst>
+  </p:cSld>
+  <p:clrMapOvr>
+    <a:masterClrMapping/>
+  </p:clrMapOvr>
+  <p:timing>
+    <p:tnLst>
+      <p:par>
+        <p:cTn id="1" dur="indefinite" restart="never" nodeType="tmRoot"/>
+      </p:par>
+    </p:tnLst>
+  </p:timing>
+</p:sld>
+</file>
+
+<file path=ppt/slides/slide11.xml><?xml version="1.0" encoding="utf-8"?>
+<p:sld xmlns:a="http://schemas.openxmlformats.org/drawingml/2006/main" xmlns:r="http://schemas.openxmlformats.org/officeDocument/2006/relationships" xmlns:p="http://schemas.openxmlformats.org/presentationml/2006/main">
+  <p:cSld>
+    <p:spTree>
+      <p:nvGrpSpPr>
+        <p:cNvPr id="1" name=""/>
+        <p:cNvGrpSpPr/>
+        <p:nvPr/>
+      </p:nvGrpSpPr>
+      <p:grpSpPr>
+        <a:xfrm>
+          <a:off x="0" y="0"/>
+          <a:ext cx="0" cy="0"/>
+          <a:chOff x="0" y="0"/>
+          <a:chExt cx="0" cy="0"/>
+        </a:xfrm>
+      </p:grpSpPr>
+      <p:sp>
+        <p:nvSpPr>
+          <p:cNvPr id="2" name="Title 1"/>
+          <p:cNvSpPr>
+            <a:spLocks noGrp="1"/>
+          </p:cNvSpPr>
+          <p:nvPr>
+            <p:ph type="title"/>
+          </p:nvPr>
+        </p:nvSpPr>
+        <p:spPr/>
+        <p:txBody>
+          <a:bodyPr/>
+          <a:lstStyle/>
+          <a:p>
+            <a:r>
+              <a:rPr lang="en-US" dirty="0" smtClean="0"/>
+              <a:t>Progress: User Interface</a:t>
+            </a:r>
+            <a:endParaRPr lang="en-US" dirty="0"/>
+          </a:p>
+        </p:txBody>
+      </p:sp>
+      <p:sp>
+        <p:nvSpPr>
+          <p:cNvPr id="3" name="Content Placeholder 2"/>
+          <p:cNvSpPr>
+            <a:spLocks noGrp="1"/>
+          </p:cNvSpPr>
+          <p:nvPr>
+            <p:ph idx="1"/>
+          </p:nvPr>
+        </p:nvSpPr>
+        <p:spPr>
+          <a:xfrm>
+            <a:off x="457200" y="4724400"/>
+            <a:ext cx="7620000" cy="1676400"/>
+          </a:xfrm>
+        </p:spPr>
         <p:txBody>
           <a:bodyPr>
             <a:normAutofit/>
@@ -5138,11 +5491,198 @@
           <a:p>
             <a:r>
               <a:rPr lang="en-US" sz="2800" dirty="0" smtClean="0"/>
-              <a:t>Abstract syntax tree vs. </a:t>
-            </a:r>
+              <a:t>Eclipse Plugin Architecture</a:t>
+            </a:r>
+          </a:p>
+          <a:p>
             <a:r>
               <a:rPr lang="en-US" sz="2800" dirty="0" smtClean="0"/>
-              <a:t>graph structure</a:t>
+              <a:t>Produce </a:t>
+            </a:r>
+            <a:r>
+              <a:rPr lang="en-US" sz="2800" dirty="0" smtClean="0"/>
+              <a:t>abstract </a:t>
+            </a:r>
+            <a:r>
+              <a:rPr lang="en-US" sz="2800" dirty="0" smtClean="0"/>
+              <a:t>syntax tree using Java Development Tools</a:t>
+            </a:r>
+          </a:p>
+        </p:txBody>
+      </p:sp>
+      <p:pic>
+        <p:nvPicPr>
+          <p:cNvPr id="1026" name="Picture 2" descr="http://www.rajorshi.net/old/img/eclipse/part2/fig1.png"/>
+          <p:cNvPicPr>
+            <a:picLocks noChangeAspect="1" noChangeArrowheads="1"/>
+          </p:cNvPicPr>
+          <p:nvPr/>
+        </p:nvPicPr>
+        <p:blipFill>
+          <a:blip r:embed="rId3">
+            <a:extLst>
+              <a:ext uri="{28A0092B-C50C-407E-A947-70E740481C1C}">
+                <a14:useLocalDpi xmlns:a14="http://schemas.microsoft.com/office/drawing/2010/main" val="0"/>
+              </a:ext>
+            </a:extLst>
+          </a:blip>
+          <a:srcRect/>
+          <a:stretch>
+            <a:fillRect/>
+          </a:stretch>
+        </p:blipFill>
+        <p:spPr bwMode="auto">
+          <a:xfrm>
+            <a:off x="1371600" y="1447800"/>
+            <a:ext cx="5762625" cy="3111818"/>
+          </a:xfrm>
+          <a:prstGeom prst="rect">
+            <a:avLst/>
+          </a:prstGeom>
+          <a:noFill/>
+          <a:extLst>
+            <a:ext uri="{909E8E84-426E-40DD-AFC4-6F175D3DCCD1}">
+              <a14:hiddenFill xmlns:a14="http://schemas.microsoft.com/office/drawing/2010/main">
+                <a:solidFill>
+                  <a:srgbClr val="FFFFFF"/>
+                </a:solidFill>
+              </a14:hiddenFill>
+            </a:ext>
+          </a:extLst>
+        </p:spPr>
+      </p:pic>
+      <p:sp>
+        <p:nvSpPr>
+          <p:cNvPr id="4" name="Slide Number Placeholder 3"/>
+          <p:cNvSpPr>
+            <a:spLocks noGrp="1"/>
+          </p:cNvSpPr>
+          <p:nvPr>
+            <p:ph type="sldNum" sz="quarter" idx="12"/>
+          </p:nvPr>
+        </p:nvSpPr>
+        <p:spPr/>
+        <p:txBody>
+          <a:bodyPr/>
+          <a:lstStyle/>
+          <a:p>
+            <a:fld id="{3AABC387-3E4C-4E29-BE46-EB037DD9B57B}" type="slidenum">
+              <a:rPr lang="en-US" smtClean="0"/>
+              <a:t>11</a:t>
+            </a:fld>
+            <a:endParaRPr lang="en-US"/>
+          </a:p>
+        </p:txBody>
+      </p:sp>
+      <p:sp>
+        <p:nvSpPr>
+          <p:cNvPr id="5" name="TextBox 4"/>
+          <p:cNvSpPr txBox="1"/>
+          <p:nvPr/>
+        </p:nvSpPr>
+        <p:spPr>
+          <a:xfrm>
+            <a:off x="5137316" y="6596390"/>
+            <a:ext cx="3397084" cy="261610"/>
+          </a:xfrm>
+          <a:prstGeom prst="rect">
+            <a:avLst/>
+          </a:prstGeom>
+          <a:noFill/>
+        </p:spPr>
+        <p:txBody>
+          <a:bodyPr wrap="none" rtlCol="0">
+            <a:spAutoFit/>
+          </a:bodyPr>
+          <a:lstStyle/>
+          <a:p>
+            <a:r>
+              <a:rPr lang="en-US" sz="1100" i="1" dirty="0"/>
+              <a:t>http://www.rajorshi.net/old/img/eclipse/part2/fig1.png</a:t>
+            </a:r>
+          </a:p>
+        </p:txBody>
+      </p:sp>
+    </p:spTree>
+    <p:extLst>
+      <p:ext uri="{BB962C8B-B14F-4D97-AF65-F5344CB8AC3E}">
+        <p14:creationId xmlns:p14="http://schemas.microsoft.com/office/powerpoint/2010/main" val="2579849260"/>
+      </p:ext>
+    </p:extLst>
+  </p:cSld>
+  <p:clrMapOvr>
+    <a:masterClrMapping/>
+  </p:clrMapOvr>
+  <p:timing>
+    <p:tnLst>
+      <p:par>
+        <p:cTn id="1" dur="indefinite" restart="never" nodeType="tmRoot"/>
+      </p:par>
+    </p:tnLst>
+  </p:timing>
+</p:sld>
+</file>
+
+<file path=ppt/slides/slide12.xml><?xml version="1.0" encoding="utf-8"?>
+<p:sld xmlns:a="http://schemas.openxmlformats.org/drawingml/2006/main" xmlns:r="http://schemas.openxmlformats.org/officeDocument/2006/relationships" xmlns:p="http://schemas.openxmlformats.org/presentationml/2006/main">
+  <p:cSld>
+    <p:spTree>
+      <p:nvGrpSpPr>
+        <p:cNvPr id="1" name=""/>
+        <p:cNvGrpSpPr/>
+        <p:nvPr/>
+      </p:nvGrpSpPr>
+      <p:grpSpPr>
+        <a:xfrm>
+          <a:off x="0" y="0"/>
+          <a:ext cx="0" cy="0"/>
+          <a:chOff x="0" y="0"/>
+          <a:chExt cx="0" cy="0"/>
+        </a:xfrm>
+      </p:grpSpPr>
+      <p:sp>
+        <p:nvSpPr>
+          <p:cNvPr id="2" name="Title 1"/>
+          <p:cNvSpPr>
+            <a:spLocks noGrp="1"/>
+          </p:cNvSpPr>
+          <p:nvPr>
+            <p:ph type="title"/>
+          </p:nvPr>
+        </p:nvSpPr>
+        <p:spPr/>
+        <p:txBody>
+          <a:bodyPr/>
+          <a:lstStyle/>
+          <a:p>
+            <a:r>
+              <a:rPr lang="en-US" dirty="0" smtClean="0"/>
+              <a:t>Future directions</a:t>
+            </a:r>
+            <a:endParaRPr lang="en-US" dirty="0"/>
+          </a:p>
+        </p:txBody>
+      </p:sp>
+      <p:sp>
+        <p:nvSpPr>
+          <p:cNvPr id="3" name="Content Placeholder 2"/>
+          <p:cNvSpPr>
+            <a:spLocks noGrp="1"/>
+          </p:cNvSpPr>
+          <p:nvPr>
+            <p:ph idx="1"/>
+          </p:nvPr>
+        </p:nvSpPr>
+        <p:spPr/>
+        <p:txBody>
+          <a:bodyPr>
+            <a:normAutofit/>
+          </a:bodyPr>
+          <a:lstStyle/>
+          <a:p>
+            <a:r>
+              <a:rPr lang="en-US" sz="2800" dirty="0" smtClean="0"/>
+              <a:t>Abstract syntax tree vs. graph structure</a:t>
             </a:r>
           </a:p>
           <a:p>
@@ -5150,12 +5690,19 @@
               <a:rPr lang="en-US" sz="2800" dirty="0" smtClean="0"/>
               <a:t>Soot</a:t>
             </a:r>
-            <a:endParaRPr lang="en-US" sz="2800" dirty="0" smtClean="0"/>
           </a:p>
           <a:p>
             <a:r>
               <a:rPr lang="en-US" sz="2800" dirty="0" smtClean="0"/>
-              <a:t>Pattern Definition Language</a:t>
+              <a:t>Pattern </a:t>
+            </a:r>
+            <a:r>
+              <a:rPr lang="en-US" sz="2800" dirty="0" smtClean="0"/>
+              <a:t>Definition </a:t>
+            </a:r>
+            <a:r>
+              <a:rPr lang="en-US" sz="2800" dirty="0" smtClean="0"/>
+              <a:t>Language</a:t>
             </a:r>
           </a:p>
           <a:p>
@@ -5167,13 +5714,31 @@
           <a:p>
             <a:r>
               <a:rPr lang="en-US" sz="2800" dirty="0" smtClean="0"/>
-              <a:t>Usability </a:t>
-            </a:r>
-            <a:r>
-              <a:rPr lang="en-US" sz="2800" dirty="0" smtClean="0"/>
-              <a:t>studies</a:t>
-            </a:r>
-            <a:endParaRPr lang="en-US" sz="2800" dirty="0" smtClean="0"/>
+              <a:t>Usability studies</a:t>
+            </a:r>
+          </a:p>
+        </p:txBody>
+      </p:sp>
+      <p:sp>
+        <p:nvSpPr>
+          <p:cNvPr id="4" name="Slide Number Placeholder 3"/>
+          <p:cNvSpPr>
+            <a:spLocks noGrp="1"/>
+          </p:cNvSpPr>
+          <p:nvPr>
+            <p:ph type="sldNum" sz="quarter" idx="12"/>
+          </p:nvPr>
+        </p:nvSpPr>
+        <p:spPr/>
+        <p:txBody>
+          <a:bodyPr/>
+          <a:lstStyle/>
+          <a:p>
+            <a:fld id="{3AABC387-3E4C-4E29-BE46-EB037DD9B57B}" type="slidenum">
+              <a:rPr lang="en-US" smtClean="0"/>
+              <a:t>12</a:t>
+            </a:fld>
+            <a:endParaRPr lang="en-US"/>
           </a:p>
         </p:txBody>
       </p:sp>
@@ -5279,17 +5844,8 @@
               <a:rPr lang="en-US" sz="3200" dirty="0" smtClean="0">
                 <a:latin typeface="+mj-lt"/>
               </a:rPr>
-              <a:t>Cases to </a:t>
-            </a:r>
-            <a:r>
-              <a:rPr lang="en-US" sz="3200" dirty="0" smtClean="0">
-                <a:latin typeface="+mj-lt"/>
-              </a:rPr>
-              <a:t>consider</a:t>
-            </a:r>
-            <a:endParaRPr lang="en-US" sz="3200" dirty="0" smtClean="0">
-              <a:latin typeface="+mj-lt"/>
-            </a:endParaRPr>
+              <a:t>Cases to consider</a:t>
+            </a:r>
           </a:p>
           <a:p>
             <a:pPr marL="514350" indent="-514350">
@@ -5314,6 +5870,29 @@
               <a:buAutoNum type="arabicPeriod" startAt="2"/>
             </a:pPr>
             <a:endParaRPr lang="en-US" dirty="0"/>
+          </a:p>
+        </p:txBody>
+      </p:sp>
+      <p:sp>
+        <p:nvSpPr>
+          <p:cNvPr id="4" name="Slide Number Placeholder 3"/>
+          <p:cNvSpPr>
+            <a:spLocks noGrp="1"/>
+          </p:cNvSpPr>
+          <p:nvPr>
+            <p:ph type="sldNum" sz="quarter" idx="12"/>
+          </p:nvPr>
+        </p:nvSpPr>
+        <p:spPr/>
+        <p:txBody>
+          <a:bodyPr/>
+          <a:lstStyle/>
+          <a:p>
+            <a:fld id="{3AABC387-3E4C-4E29-BE46-EB037DD9B57B}" type="slidenum">
+              <a:rPr lang="en-US" smtClean="0"/>
+              <a:t>2</a:t>
+            </a:fld>
+            <a:endParaRPr lang="en-US"/>
           </a:p>
         </p:txBody>
       </p:sp>
@@ -5371,7 +5950,7 @@
           <a:p>
             <a:r>
               <a:rPr lang="en-US" dirty="0" smtClean="0"/>
-              <a:t>Related Work</a:t>
+              <a:t>Problem Definition</a:t>
             </a:r>
             <a:endParaRPr lang="en-US" dirty="0"/>
           </a:p>
@@ -5379,171 +5958,233 @@
       </p:sp>
       <p:sp>
         <p:nvSpPr>
-          <p:cNvPr id="3" name="Content Placeholder 2"/>
-          <p:cNvSpPr>
-            <a:spLocks noGrp="1"/>
-          </p:cNvSpPr>
-          <p:nvPr>
-            <p:ph idx="1"/>
+          <p:cNvPr id="4" name="Slide Number Placeholder 3"/>
+          <p:cNvSpPr>
+            <a:spLocks noGrp="1"/>
+          </p:cNvSpPr>
+          <p:nvPr>
+            <p:ph type="sldNum" sz="quarter" idx="12"/>
           </p:nvPr>
         </p:nvSpPr>
         <p:spPr/>
         <p:txBody>
-          <a:bodyPr>
-            <a:normAutofit/>
-          </a:bodyPr>
-          <a:lstStyle/>
-          <a:p>
-            <a:pPr marL="0" indent="0" algn="ctr">
-              <a:buNone/>
-            </a:pPr>
-            <a:r>
-              <a:rPr lang="en-US" sz="3200" dirty="0" smtClean="0"/>
-              <a:t>Static Analysis</a:t>
-            </a:r>
-          </a:p>
-          <a:p>
-            <a:pPr marL="0" indent="0" algn="ctr">
-              <a:buNone/>
-            </a:pPr>
-            <a:endParaRPr lang="en-US" sz="4800" dirty="0" smtClean="0"/>
-          </a:p>
-          <a:p>
-            <a:pPr marL="0" indent="0" algn="ctr">
-              <a:buNone/>
-            </a:pPr>
-            <a:r>
-              <a:rPr lang="en-US" sz="3200" dirty="0" smtClean="0"/>
-              <a:t>“Recommendation systems for</a:t>
-            </a:r>
-          </a:p>
-          <a:p>
-            <a:pPr marL="0" indent="0" algn="ctr">
-              <a:buNone/>
-            </a:pPr>
-            <a:r>
-              <a:rPr lang="en-US" sz="3200" dirty="0" smtClean="0"/>
-              <a:t>software engineering”</a:t>
-            </a:r>
-          </a:p>
-          <a:p>
-            <a:pPr marL="0" indent="0" algn="ctr">
-              <a:buNone/>
-            </a:pPr>
-            <a:r>
-              <a:rPr lang="en-US" sz="1800" i="1" dirty="0" smtClean="0"/>
-              <a:t>(</a:t>
-            </a:r>
-            <a:r>
-              <a:rPr lang="en-US" sz="1800" i="1" dirty="0" err="1" smtClean="0"/>
-              <a:t>Robillard</a:t>
-            </a:r>
-            <a:r>
-              <a:rPr lang="en-US" sz="1800" i="1" dirty="0" smtClean="0"/>
-              <a:t>, Walker, and Zimmermann)</a:t>
-            </a:r>
-          </a:p>
-          <a:p>
-            <a:pPr marL="0" indent="0" algn="ctr">
-              <a:buNone/>
-            </a:pPr>
-            <a:endParaRPr lang="en-US" sz="4800" dirty="0" smtClean="0"/>
-          </a:p>
-          <a:p>
-            <a:pPr marL="0" indent="0" algn="ctr">
-              <a:buNone/>
-            </a:pPr>
-            <a:r>
-              <a:rPr lang="en-US" sz="3200" dirty="0" smtClean="0"/>
-              <a:t>RSSE Conference</a:t>
-            </a:r>
-          </a:p>
-        </p:txBody>
-      </p:sp>
-      <p:sp>
-        <p:nvSpPr>
-          <p:cNvPr id="4" name="Down Arrow 3"/>
-          <p:cNvSpPr/>
+          <a:bodyPr/>
+          <a:lstStyle/>
+          <a:p>
+            <a:fld id="{3AABC387-3E4C-4E29-BE46-EB037DD9B57B}" type="slidenum">
+              <a:rPr lang="en-US" smtClean="0"/>
+              <a:t>3</a:t>
+            </a:fld>
+            <a:endParaRPr lang="en-US"/>
+          </a:p>
+        </p:txBody>
+      </p:sp>
+      <p:pic>
+        <p:nvPicPr>
+          <p:cNvPr id="1026" name="Picture 2" descr="http://vinaytech.files.wordpress.com/2008/10/img21.png"/>
+          <p:cNvPicPr>
+            <a:picLocks noChangeAspect="1" noChangeArrowheads="1"/>
+          </p:cNvPicPr>
+          <p:nvPr/>
+        </p:nvPicPr>
+        <p:blipFill rotWithShape="1">
+          <a:blip r:embed="rId3">
+            <a:extLst>
+              <a:ext uri="{28A0092B-C50C-407E-A947-70E740481C1C}">
+                <a14:useLocalDpi xmlns:a14="http://schemas.microsoft.com/office/drawing/2010/main" val="0"/>
+              </a:ext>
+            </a:extLst>
+          </a:blip>
+          <a:srcRect l="34567"/>
+          <a:stretch/>
+        </p:blipFill>
+        <p:spPr bwMode="auto">
+          <a:xfrm>
+            <a:off x="467636" y="3200400"/>
+            <a:ext cx="4561564" cy="3048000"/>
+          </a:xfrm>
+          <a:prstGeom prst="rect">
+            <a:avLst/>
+          </a:prstGeom>
+          <a:noFill/>
+          <a:extLst>
+            <a:ext uri="{909E8E84-426E-40DD-AFC4-6F175D3DCCD1}">
+              <a14:hiddenFill xmlns:a14="http://schemas.microsoft.com/office/drawing/2010/main">
+                <a:solidFill>
+                  <a:srgbClr val="FFFFFF"/>
+                </a:solidFill>
+              </a14:hiddenFill>
+            </a:ext>
+          </a:extLst>
+        </p:spPr>
+      </p:pic>
+      <p:pic>
+        <p:nvPicPr>
+          <p:cNvPr id="1028" name="Picture 4" descr="http://vinaytech.files.wordpress.com/2008/10/img3.png"/>
+          <p:cNvPicPr>
+            <a:picLocks noChangeAspect="1" noChangeArrowheads="1"/>
+          </p:cNvPicPr>
+          <p:nvPr/>
+        </p:nvPicPr>
+        <p:blipFill rotWithShape="1">
+          <a:blip r:embed="rId4">
+            <a:extLst>
+              <a:ext uri="{28A0092B-C50C-407E-A947-70E740481C1C}">
+                <a14:useLocalDpi xmlns:a14="http://schemas.microsoft.com/office/drawing/2010/main" val="0"/>
+              </a:ext>
+            </a:extLst>
+          </a:blip>
+          <a:srcRect l="50000"/>
+          <a:stretch/>
+        </p:blipFill>
+        <p:spPr bwMode="auto">
+          <a:xfrm>
+            <a:off x="5404964" y="2647950"/>
+            <a:ext cx="2215036" cy="3219450"/>
+          </a:xfrm>
+          <a:prstGeom prst="rect">
+            <a:avLst/>
+          </a:prstGeom>
+          <a:noFill/>
+          <a:extLst>
+            <a:ext uri="{909E8E84-426E-40DD-AFC4-6F175D3DCCD1}">
+              <a14:hiddenFill xmlns:a14="http://schemas.microsoft.com/office/drawing/2010/main">
+                <a:solidFill>
+                  <a:srgbClr val="FFFFFF"/>
+                </a:solidFill>
+              </a14:hiddenFill>
+            </a:ext>
+          </a:extLst>
+        </p:spPr>
+      </p:pic>
+      <p:sp>
+        <p:nvSpPr>
+          <p:cNvPr id="10" name="TextBox 9"/>
+          <p:cNvSpPr txBox="1"/>
           <p:nvPr/>
         </p:nvSpPr>
         <p:spPr>
           <a:xfrm>
-            <a:off x="4038600" y="2133600"/>
-            <a:ext cx="609600" cy="990600"/>
+            <a:off x="3048000" y="1447800"/>
+            <a:ext cx="2252540" cy="1754326"/>
           </a:xfrm>
-          <a:prstGeom prst="downArrow">
+          <a:prstGeom prst="rect">
             <a:avLst/>
           </a:prstGeom>
+          <a:noFill/>
         </p:spPr>
-        <p:style>
-          <a:lnRef idx="2">
-            <a:schemeClr val="accent1">
-              <a:shade val="50000"/>
-            </a:schemeClr>
-          </a:lnRef>
-          <a:fillRef idx="1">
-            <a:schemeClr val="accent1"/>
-          </a:fillRef>
-          <a:effectRef idx="0">
-            <a:schemeClr val="accent1"/>
-          </a:effectRef>
-          <a:fontRef idx="minor">
-            <a:schemeClr val="lt1"/>
-          </a:fontRef>
-        </p:style>
-        <p:txBody>
-          <a:bodyPr rtlCol="0" anchor="ctr"/>
-          <a:lstStyle/>
-          <a:p>
-            <a:pPr algn="ctr"/>
-            <a:endParaRPr lang="en-US" dirty="0"/>
-          </a:p>
-        </p:txBody>
-      </p:sp>
-      <p:sp>
-        <p:nvSpPr>
-          <p:cNvPr id="6" name="Down Arrow 5"/>
-          <p:cNvSpPr/>
+        <p:txBody>
+          <a:bodyPr wrap="none" rtlCol="0">
+            <a:spAutoFit/>
+          </a:bodyPr>
+          <a:lstStyle/>
+          <a:p>
+            <a:r>
+              <a:rPr lang="en-US" b="1" dirty="0" smtClean="0">
+                <a:latin typeface="Courier" pitchFamily="49" charset="0"/>
+              </a:rPr>
+              <a:t>x := a + b;</a:t>
+            </a:r>
+          </a:p>
+          <a:p>
+            <a:r>
+              <a:rPr lang="en-US" b="1" dirty="0">
+                <a:latin typeface="Courier" pitchFamily="49" charset="0"/>
+              </a:rPr>
+              <a:t>y</a:t>
+            </a:r>
+            <a:r>
+              <a:rPr lang="en-US" b="1" dirty="0" smtClean="0">
+                <a:latin typeface="Courier" pitchFamily="49" charset="0"/>
+              </a:rPr>
+              <a:t> := a * b;</a:t>
+            </a:r>
+          </a:p>
+          <a:p>
+            <a:r>
+              <a:rPr lang="en-US" b="1" dirty="0" smtClean="0">
+                <a:latin typeface="Courier" pitchFamily="49" charset="0"/>
+              </a:rPr>
+              <a:t>while (y &gt; a) {</a:t>
+            </a:r>
+          </a:p>
+          <a:p>
+            <a:r>
+              <a:rPr lang="en-US" b="1" dirty="0">
+                <a:latin typeface="Courier" pitchFamily="49" charset="0"/>
+              </a:rPr>
+              <a:t> </a:t>
+            </a:r>
+            <a:r>
+              <a:rPr lang="en-US" b="1" dirty="0" smtClean="0">
+                <a:latin typeface="Courier" pitchFamily="49" charset="0"/>
+              </a:rPr>
+              <a:t>  a := a + 1;</a:t>
+            </a:r>
+          </a:p>
+          <a:p>
+            <a:r>
+              <a:rPr lang="en-US" b="1" dirty="0">
+                <a:latin typeface="Courier" pitchFamily="49" charset="0"/>
+              </a:rPr>
+              <a:t> </a:t>
+            </a:r>
+            <a:r>
+              <a:rPr lang="en-US" b="1" dirty="0" smtClean="0">
+                <a:latin typeface="Courier" pitchFamily="49" charset="0"/>
+              </a:rPr>
+              <a:t>  x := a + b;</a:t>
+            </a:r>
+            <a:endParaRPr lang="en-US" b="1" dirty="0">
+              <a:latin typeface="Courier" pitchFamily="49" charset="0"/>
+            </a:endParaRPr>
+          </a:p>
+          <a:p>
+            <a:r>
+              <a:rPr lang="en-US" b="1" dirty="0" smtClean="0">
+                <a:latin typeface="Courier" pitchFamily="49" charset="0"/>
+              </a:rPr>
+              <a:t>}</a:t>
+            </a:r>
+            <a:endParaRPr lang="en-US" b="1" dirty="0">
+              <a:latin typeface="Courier" pitchFamily="49" charset="0"/>
+            </a:endParaRPr>
+          </a:p>
+        </p:txBody>
+      </p:sp>
+      <p:sp>
+        <p:nvSpPr>
+          <p:cNvPr id="11" name="TextBox 10"/>
+          <p:cNvSpPr txBox="1"/>
           <p:nvPr/>
         </p:nvSpPr>
         <p:spPr>
           <a:xfrm>
-            <a:off x="4038600" y="4572000"/>
-            <a:ext cx="609600" cy="990600"/>
+            <a:off x="4495800" y="6596390"/>
+            <a:ext cx="4267200" cy="261610"/>
           </a:xfrm>
-          <a:prstGeom prst="downArrow">
+          <a:prstGeom prst="rect">
             <a:avLst/>
           </a:prstGeom>
+          <a:noFill/>
         </p:spPr>
-        <p:style>
-          <a:lnRef idx="2">
-            <a:schemeClr val="accent1">
-              <a:shade val="50000"/>
-            </a:schemeClr>
-          </a:lnRef>
-          <a:fillRef idx="1">
-            <a:schemeClr val="accent1"/>
-          </a:fillRef>
-          <a:effectRef idx="0">
-            <a:schemeClr val="accent1"/>
-          </a:effectRef>
-          <a:fontRef idx="minor">
-            <a:schemeClr val="lt1"/>
-          </a:fontRef>
-        </p:style>
-        <p:txBody>
-          <a:bodyPr rtlCol="0" anchor="ctr"/>
-          <a:lstStyle/>
-          <a:p>
-            <a:pPr algn="ctr"/>
-            <a:endParaRPr lang="en-US" dirty="0"/>
+        <p:txBody>
+          <a:bodyPr wrap="square" rtlCol="0">
+            <a:spAutoFit/>
+          </a:bodyPr>
+          <a:lstStyle/>
+          <a:p>
+            <a:r>
+              <a:rPr lang="en-US" sz="1100" i="1" dirty="0"/>
+              <a:t>http://vinaytech.wordpress.com/2008/10/04/abstract-syntax-tree/</a:t>
+            </a:r>
           </a:p>
         </p:txBody>
       </p:sp>
     </p:spTree>
     <p:extLst>
       <p:ext uri="{BB962C8B-B14F-4D97-AF65-F5344CB8AC3E}">
-        <p14:creationId xmlns:p14="http://schemas.microsoft.com/office/powerpoint/2010/main" val="1030916855"/>
+        <p14:creationId xmlns:p14="http://schemas.microsoft.com/office/powerpoint/2010/main" val="1792655198"/>
       </p:ext>
     </p:extLst>
   </p:cSld>
@@ -5579,17 +6220,1927 @@
       </p:grpSpPr>
       <p:sp>
         <p:nvSpPr>
-          <p:cNvPr id="3" name="Content Placeholder 2"/>
-          <p:cNvSpPr>
-            <a:spLocks noGrp="1"/>
-          </p:cNvSpPr>
-          <p:nvPr>
-            <p:ph idx="1"/>
-          </p:nvPr>
+          <p:cNvPr id="2" name="Title 1"/>
+          <p:cNvSpPr>
+            <a:spLocks noGrp="1"/>
+          </p:cNvSpPr>
+          <p:nvPr>
+            <p:ph type="title"/>
+          </p:nvPr>
+        </p:nvSpPr>
+        <p:spPr/>
+        <p:txBody>
+          <a:bodyPr/>
+          <a:lstStyle/>
+          <a:p>
+            <a:r>
+              <a:rPr lang="en-US" dirty="0" smtClean="0"/>
+              <a:t>Problem Definition</a:t>
+            </a:r>
+            <a:endParaRPr lang="en-US" dirty="0"/>
+          </a:p>
+        </p:txBody>
+      </p:sp>
+      <p:sp>
+        <p:nvSpPr>
+          <p:cNvPr id="4" name="Slide Number Placeholder 3"/>
+          <p:cNvSpPr>
+            <a:spLocks noGrp="1"/>
+          </p:cNvSpPr>
+          <p:nvPr>
+            <p:ph type="sldNum" sz="quarter" idx="12"/>
+          </p:nvPr>
+        </p:nvSpPr>
+        <p:spPr/>
+        <p:txBody>
+          <a:bodyPr/>
+          <a:lstStyle/>
+          <a:p>
+            <a:fld id="{3AABC387-3E4C-4E29-BE46-EB037DD9B57B}" type="slidenum">
+              <a:rPr lang="en-US" smtClean="0"/>
+              <a:t>4</a:t>
+            </a:fld>
+            <a:endParaRPr lang="en-US"/>
+          </a:p>
+        </p:txBody>
+      </p:sp>
+      <p:sp>
+        <p:nvSpPr>
+          <p:cNvPr id="6" name="Oval 5"/>
+          <p:cNvSpPr/>
+          <p:nvPr/>
         </p:nvSpPr>
         <p:spPr>
           <a:xfrm>
-            <a:off x="609600" y="838200"/>
+            <a:off x="1716829" y="1504188"/>
+            <a:ext cx="431292" cy="431292"/>
+          </a:xfrm>
+          <a:prstGeom prst="ellipse">
+            <a:avLst/>
+          </a:prstGeom>
+        </p:spPr>
+        <p:style>
+          <a:lnRef idx="2">
+            <a:schemeClr val="accent1">
+              <a:shade val="50000"/>
+            </a:schemeClr>
+          </a:lnRef>
+          <a:fillRef idx="1">
+            <a:schemeClr val="accent1"/>
+          </a:fillRef>
+          <a:effectRef idx="0">
+            <a:schemeClr val="accent1"/>
+          </a:effectRef>
+          <a:fontRef idx="minor">
+            <a:schemeClr val="lt1"/>
+          </a:fontRef>
+        </p:style>
+        <p:txBody>
+          <a:bodyPr rtlCol="0" anchor="ctr"/>
+          <a:lstStyle/>
+          <a:p>
+            <a:pPr algn="ctr"/>
+            <a:r>
+              <a:rPr lang="en-US" dirty="0" smtClean="0"/>
+              <a:t>A</a:t>
+            </a:r>
+            <a:endParaRPr lang="en-US" dirty="0"/>
+          </a:p>
+        </p:txBody>
+      </p:sp>
+      <p:sp>
+        <p:nvSpPr>
+          <p:cNvPr id="7" name="Oval 6"/>
+          <p:cNvSpPr/>
+          <p:nvPr/>
+        </p:nvSpPr>
+        <p:spPr>
+          <a:xfrm>
+            <a:off x="2174029" y="2265426"/>
+            <a:ext cx="431292" cy="431292"/>
+          </a:xfrm>
+          <a:prstGeom prst="ellipse">
+            <a:avLst/>
+          </a:prstGeom>
+        </p:spPr>
+        <p:style>
+          <a:lnRef idx="2">
+            <a:schemeClr val="accent1">
+              <a:shade val="50000"/>
+            </a:schemeClr>
+          </a:lnRef>
+          <a:fillRef idx="1">
+            <a:schemeClr val="accent1"/>
+          </a:fillRef>
+          <a:effectRef idx="0">
+            <a:schemeClr val="accent1"/>
+          </a:effectRef>
+          <a:fontRef idx="minor">
+            <a:schemeClr val="lt1"/>
+          </a:fontRef>
+        </p:style>
+        <p:txBody>
+          <a:bodyPr rtlCol="0" anchor="ctr"/>
+          <a:lstStyle/>
+          <a:p>
+            <a:pPr algn="ctr"/>
+            <a:r>
+              <a:rPr lang="en-US" dirty="0" smtClean="0"/>
+              <a:t>C</a:t>
+            </a:r>
+            <a:endParaRPr lang="en-US" dirty="0"/>
+          </a:p>
+        </p:txBody>
+      </p:sp>
+      <p:sp>
+        <p:nvSpPr>
+          <p:cNvPr id="10" name="Oval 9"/>
+          <p:cNvSpPr/>
+          <p:nvPr/>
+        </p:nvSpPr>
+        <p:spPr>
+          <a:xfrm>
+            <a:off x="1640629" y="3077718"/>
+            <a:ext cx="431292" cy="431292"/>
+          </a:xfrm>
+          <a:prstGeom prst="ellipse">
+            <a:avLst/>
+          </a:prstGeom>
+        </p:spPr>
+        <p:style>
+          <a:lnRef idx="2">
+            <a:schemeClr val="accent1">
+              <a:shade val="50000"/>
+            </a:schemeClr>
+          </a:lnRef>
+          <a:fillRef idx="1">
+            <a:schemeClr val="accent1"/>
+          </a:fillRef>
+          <a:effectRef idx="0">
+            <a:schemeClr val="accent1"/>
+          </a:effectRef>
+          <a:fontRef idx="minor">
+            <a:schemeClr val="lt1"/>
+          </a:fontRef>
+        </p:style>
+        <p:txBody>
+          <a:bodyPr rtlCol="0" anchor="ctr"/>
+          <a:lstStyle/>
+          <a:p>
+            <a:pPr algn="ctr"/>
+            <a:r>
+              <a:rPr lang="en-US" dirty="0"/>
+              <a:t>E</a:t>
+            </a:r>
+            <a:endParaRPr lang="en-US" dirty="0"/>
+          </a:p>
+        </p:txBody>
+      </p:sp>
+      <p:sp>
+        <p:nvSpPr>
+          <p:cNvPr id="11" name="Oval 10"/>
+          <p:cNvSpPr/>
+          <p:nvPr/>
+        </p:nvSpPr>
+        <p:spPr>
+          <a:xfrm>
+            <a:off x="1260348" y="2286255"/>
+            <a:ext cx="431292" cy="431292"/>
+          </a:xfrm>
+          <a:prstGeom prst="ellipse">
+            <a:avLst/>
+          </a:prstGeom>
+        </p:spPr>
+        <p:style>
+          <a:lnRef idx="2">
+            <a:schemeClr val="accent1">
+              <a:shade val="50000"/>
+            </a:schemeClr>
+          </a:lnRef>
+          <a:fillRef idx="1">
+            <a:schemeClr val="accent1"/>
+          </a:fillRef>
+          <a:effectRef idx="0">
+            <a:schemeClr val="accent1"/>
+          </a:effectRef>
+          <a:fontRef idx="minor">
+            <a:schemeClr val="lt1"/>
+          </a:fontRef>
+        </p:style>
+        <p:txBody>
+          <a:bodyPr rtlCol="0" anchor="ctr"/>
+          <a:lstStyle/>
+          <a:p>
+            <a:pPr algn="ctr"/>
+            <a:r>
+              <a:rPr lang="en-US" dirty="0"/>
+              <a:t>B</a:t>
+            </a:r>
+            <a:endParaRPr lang="en-US" dirty="0"/>
+          </a:p>
+        </p:txBody>
+      </p:sp>
+      <p:sp>
+        <p:nvSpPr>
+          <p:cNvPr id="12" name="Oval 11"/>
+          <p:cNvSpPr/>
+          <p:nvPr/>
+        </p:nvSpPr>
+        <p:spPr>
+          <a:xfrm>
+            <a:off x="829056" y="3077718"/>
+            <a:ext cx="431292" cy="431292"/>
+          </a:xfrm>
+          <a:prstGeom prst="ellipse">
+            <a:avLst/>
+          </a:prstGeom>
+        </p:spPr>
+        <p:style>
+          <a:lnRef idx="2">
+            <a:schemeClr val="accent1">
+              <a:shade val="50000"/>
+            </a:schemeClr>
+          </a:lnRef>
+          <a:fillRef idx="1">
+            <a:schemeClr val="accent1"/>
+          </a:fillRef>
+          <a:effectRef idx="0">
+            <a:schemeClr val="accent1"/>
+          </a:effectRef>
+          <a:fontRef idx="minor">
+            <a:schemeClr val="lt1"/>
+          </a:fontRef>
+        </p:style>
+        <p:txBody>
+          <a:bodyPr rtlCol="0" anchor="ctr"/>
+          <a:lstStyle/>
+          <a:p>
+            <a:pPr algn="ctr"/>
+            <a:r>
+              <a:rPr lang="en-US" dirty="0"/>
+              <a:t>D</a:t>
+            </a:r>
+            <a:endParaRPr lang="en-US" dirty="0"/>
+          </a:p>
+        </p:txBody>
+      </p:sp>
+      <p:cxnSp>
+        <p:nvCxnSpPr>
+          <p:cNvPr id="5" name="Straight Arrow Connector 4"/>
+          <p:cNvCxnSpPr>
+            <a:stCxn id="6" idx="3"/>
+            <a:endCxn id="11" idx="0"/>
+          </p:cNvCxnSpPr>
+          <p:nvPr/>
+        </p:nvCxnSpPr>
+        <p:spPr>
+          <a:xfrm flipH="1">
+            <a:off x="1475994" y="1872319"/>
+            <a:ext cx="303996" cy="413936"/>
+          </a:xfrm>
+          <a:prstGeom prst="straightConnector1">
+            <a:avLst/>
+          </a:prstGeom>
+          <a:ln>
+            <a:tailEnd type="arrow"/>
+          </a:ln>
+        </p:spPr>
+        <p:style>
+          <a:lnRef idx="1">
+            <a:schemeClr val="accent1"/>
+          </a:lnRef>
+          <a:fillRef idx="0">
+            <a:schemeClr val="accent1"/>
+          </a:fillRef>
+          <a:effectRef idx="0">
+            <a:schemeClr val="accent1"/>
+          </a:effectRef>
+          <a:fontRef idx="minor">
+            <a:schemeClr val="tx1"/>
+          </a:fontRef>
+        </p:style>
+      </p:cxnSp>
+      <p:cxnSp>
+        <p:nvCxnSpPr>
+          <p:cNvPr id="14" name="Straight Arrow Connector 13"/>
+          <p:cNvCxnSpPr>
+            <a:stCxn id="6" idx="5"/>
+            <a:endCxn id="7" idx="0"/>
+          </p:cNvCxnSpPr>
+          <p:nvPr/>
+        </p:nvCxnSpPr>
+        <p:spPr>
+          <a:xfrm>
+            <a:off x="2084960" y="1872319"/>
+            <a:ext cx="304715" cy="393107"/>
+          </a:xfrm>
+          <a:prstGeom prst="straightConnector1">
+            <a:avLst/>
+          </a:prstGeom>
+          <a:ln>
+            <a:tailEnd type="arrow"/>
+          </a:ln>
+        </p:spPr>
+        <p:style>
+          <a:lnRef idx="1">
+            <a:schemeClr val="accent1"/>
+          </a:lnRef>
+          <a:fillRef idx="0">
+            <a:schemeClr val="accent1"/>
+          </a:fillRef>
+          <a:effectRef idx="0">
+            <a:schemeClr val="accent1"/>
+          </a:effectRef>
+          <a:fontRef idx="minor">
+            <a:schemeClr val="tx1"/>
+          </a:fontRef>
+        </p:style>
+      </p:cxnSp>
+      <p:cxnSp>
+        <p:nvCxnSpPr>
+          <p:cNvPr id="18" name="Straight Arrow Connector 17"/>
+          <p:cNvCxnSpPr>
+            <a:stCxn id="11" idx="3"/>
+            <a:endCxn id="12" idx="0"/>
+          </p:cNvCxnSpPr>
+          <p:nvPr/>
+        </p:nvCxnSpPr>
+        <p:spPr>
+          <a:xfrm flipH="1">
+            <a:off x="1044702" y="2654386"/>
+            <a:ext cx="278807" cy="423332"/>
+          </a:xfrm>
+          <a:prstGeom prst="straightConnector1">
+            <a:avLst/>
+          </a:prstGeom>
+          <a:ln>
+            <a:tailEnd type="arrow"/>
+          </a:ln>
+        </p:spPr>
+        <p:style>
+          <a:lnRef idx="1">
+            <a:schemeClr val="accent1"/>
+          </a:lnRef>
+          <a:fillRef idx="0">
+            <a:schemeClr val="accent1"/>
+          </a:fillRef>
+          <a:effectRef idx="0">
+            <a:schemeClr val="accent1"/>
+          </a:effectRef>
+          <a:fontRef idx="minor">
+            <a:schemeClr val="tx1"/>
+          </a:fontRef>
+        </p:style>
+      </p:cxnSp>
+      <p:cxnSp>
+        <p:nvCxnSpPr>
+          <p:cNvPr id="20" name="Straight Arrow Connector 19"/>
+          <p:cNvCxnSpPr>
+            <a:stCxn id="11" idx="5"/>
+            <a:endCxn id="10" idx="0"/>
+          </p:cNvCxnSpPr>
+          <p:nvPr/>
+        </p:nvCxnSpPr>
+        <p:spPr>
+          <a:xfrm>
+            <a:off x="1628479" y="2654386"/>
+            <a:ext cx="227796" cy="423332"/>
+          </a:xfrm>
+          <a:prstGeom prst="straightConnector1">
+            <a:avLst/>
+          </a:prstGeom>
+          <a:ln>
+            <a:tailEnd type="arrow"/>
+          </a:ln>
+        </p:spPr>
+        <p:style>
+          <a:lnRef idx="1">
+            <a:schemeClr val="accent1"/>
+          </a:lnRef>
+          <a:fillRef idx="0">
+            <a:schemeClr val="accent1"/>
+          </a:fillRef>
+          <a:effectRef idx="0">
+            <a:schemeClr val="accent1"/>
+          </a:effectRef>
+          <a:fontRef idx="minor">
+            <a:schemeClr val="tx1"/>
+          </a:fontRef>
+        </p:style>
+      </p:cxnSp>
+      <p:sp>
+        <p:nvSpPr>
+          <p:cNvPr id="33" name="Right Arrow 32"/>
+          <p:cNvSpPr/>
+          <p:nvPr/>
+        </p:nvSpPr>
+        <p:spPr>
+          <a:xfrm>
+            <a:off x="2962656" y="2311738"/>
+            <a:ext cx="533400" cy="384980"/>
+          </a:xfrm>
+          <a:prstGeom prst="rightArrow">
+            <a:avLst/>
+          </a:prstGeom>
+        </p:spPr>
+        <p:style>
+          <a:lnRef idx="2">
+            <a:schemeClr val="accent1">
+              <a:shade val="50000"/>
+            </a:schemeClr>
+          </a:lnRef>
+          <a:fillRef idx="1">
+            <a:schemeClr val="accent1"/>
+          </a:fillRef>
+          <a:effectRef idx="0">
+            <a:schemeClr val="accent1"/>
+          </a:effectRef>
+          <a:fontRef idx="minor">
+            <a:schemeClr val="lt1"/>
+          </a:fontRef>
+        </p:style>
+        <p:txBody>
+          <a:bodyPr rtlCol="0" anchor="ctr"/>
+          <a:lstStyle/>
+          <a:p>
+            <a:pPr algn="ctr"/>
+            <a:endParaRPr lang="en-US"/>
+          </a:p>
+        </p:txBody>
+      </p:sp>
+      <p:sp>
+        <p:nvSpPr>
+          <p:cNvPr id="34" name="Oval 33"/>
+          <p:cNvSpPr/>
+          <p:nvPr/>
+        </p:nvSpPr>
+        <p:spPr>
+          <a:xfrm>
+            <a:off x="4333537" y="1527810"/>
+            <a:ext cx="431292" cy="431292"/>
+          </a:xfrm>
+          <a:prstGeom prst="ellipse">
+            <a:avLst/>
+          </a:prstGeom>
+        </p:spPr>
+        <p:style>
+          <a:lnRef idx="2">
+            <a:schemeClr val="accent1">
+              <a:shade val="50000"/>
+            </a:schemeClr>
+          </a:lnRef>
+          <a:fillRef idx="1">
+            <a:schemeClr val="accent1"/>
+          </a:fillRef>
+          <a:effectRef idx="0">
+            <a:schemeClr val="accent1"/>
+          </a:effectRef>
+          <a:fontRef idx="minor">
+            <a:schemeClr val="lt1"/>
+          </a:fontRef>
+        </p:style>
+        <p:txBody>
+          <a:bodyPr rtlCol="0" anchor="ctr"/>
+          <a:lstStyle/>
+          <a:p>
+            <a:pPr algn="ctr"/>
+            <a:r>
+              <a:rPr lang="en-US" dirty="0" smtClean="0"/>
+              <a:t>A</a:t>
+            </a:r>
+            <a:endParaRPr lang="en-US" dirty="0"/>
+          </a:p>
+        </p:txBody>
+      </p:sp>
+      <p:sp>
+        <p:nvSpPr>
+          <p:cNvPr id="35" name="Oval 34"/>
+          <p:cNvSpPr/>
+          <p:nvPr/>
+        </p:nvSpPr>
+        <p:spPr>
+          <a:xfrm>
+            <a:off x="4790737" y="2289048"/>
+            <a:ext cx="431292" cy="431292"/>
+          </a:xfrm>
+          <a:prstGeom prst="ellipse">
+            <a:avLst/>
+          </a:prstGeom>
+        </p:spPr>
+        <p:style>
+          <a:lnRef idx="2">
+            <a:schemeClr val="accent1">
+              <a:shade val="50000"/>
+            </a:schemeClr>
+          </a:lnRef>
+          <a:fillRef idx="1">
+            <a:schemeClr val="accent1"/>
+          </a:fillRef>
+          <a:effectRef idx="0">
+            <a:schemeClr val="accent1"/>
+          </a:effectRef>
+          <a:fontRef idx="minor">
+            <a:schemeClr val="lt1"/>
+          </a:fontRef>
+        </p:style>
+        <p:txBody>
+          <a:bodyPr rtlCol="0" anchor="ctr"/>
+          <a:lstStyle/>
+          <a:p>
+            <a:pPr algn="ctr"/>
+            <a:r>
+              <a:rPr lang="en-US" dirty="0" smtClean="0"/>
+              <a:t>C</a:t>
+            </a:r>
+            <a:endParaRPr lang="en-US" dirty="0"/>
+          </a:p>
+        </p:txBody>
+      </p:sp>
+      <p:sp>
+        <p:nvSpPr>
+          <p:cNvPr id="36" name="Oval 35"/>
+          <p:cNvSpPr/>
+          <p:nvPr/>
+        </p:nvSpPr>
+        <p:spPr>
+          <a:xfrm>
+            <a:off x="3877056" y="3122676"/>
+            <a:ext cx="431292" cy="431292"/>
+          </a:xfrm>
+          <a:prstGeom prst="ellipse">
+            <a:avLst/>
+          </a:prstGeom>
+        </p:spPr>
+        <p:style>
+          <a:lnRef idx="2">
+            <a:schemeClr val="accent1">
+              <a:shade val="50000"/>
+            </a:schemeClr>
+          </a:lnRef>
+          <a:fillRef idx="1">
+            <a:schemeClr val="accent1"/>
+          </a:fillRef>
+          <a:effectRef idx="0">
+            <a:schemeClr val="accent1"/>
+          </a:effectRef>
+          <a:fontRef idx="minor">
+            <a:schemeClr val="lt1"/>
+          </a:fontRef>
+        </p:style>
+        <p:txBody>
+          <a:bodyPr rtlCol="0" anchor="ctr"/>
+          <a:lstStyle/>
+          <a:p>
+            <a:pPr algn="ctr"/>
+            <a:r>
+              <a:rPr lang="en-US" dirty="0"/>
+              <a:t>E</a:t>
+            </a:r>
+            <a:endParaRPr lang="en-US" dirty="0"/>
+          </a:p>
+        </p:txBody>
+      </p:sp>
+      <p:sp>
+        <p:nvSpPr>
+          <p:cNvPr id="37" name="Oval 36"/>
+          <p:cNvSpPr/>
+          <p:nvPr/>
+        </p:nvSpPr>
+        <p:spPr>
+          <a:xfrm>
+            <a:off x="3877056" y="2309877"/>
+            <a:ext cx="431292" cy="431292"/>
+          </a:xfrm>
+          <a:prstGeom prst="ellipse">
+            <a:avLst/>
+          </a:prstGeom>
+        </p:spPr>
+        <p:style>
+          <a:lnRef idx="2">
+            <a:schemeClr val="accent1">
+              <a:shade val="50000"/>
+            </a:schemeClr>
+          </a:lnRef>
+          <a:fillRef idx="1">
+            <a:schemeClr val="accent1"/>
+          </a:fillRef>
+          <a:effectRef idx="0">
+            <a:schemeClr val="accent1"/>
+          </a:effectRef>
+          <a:fontRef idx="minor">
+            <a:schemeClr val="lt1"/>
+          </a:fontRef>
+        </p:style>
+        <p:txBody>
+          <a:bodyPr rtlCol="0" anchor="ctr"/>
+          <a:lstStyle/>
+          <a:p>
+            <a:pPr algn="ctr"/>
+            <a:r>
+              <a:rPr lang="en-US" dirty="0"/>
+              <a:t>B</a:t>
+            </a:r>
+            <a:endParaRPr lang="en-US" dirty="0"/>
+          </a:p>
+        </p:txBody>
+      </p:sp>
+      <p:cxnSp>
+        <p:nvCxnSpPr>
+          <p:cNvPr id="39" name="Straight Arrow Connector 38"/>
+          <p:cNvCxnSpPr>
+            <a:stCxn id="34" idx="3"/>
+            <a:endCxn id="37" idx="0"/>
+          </p:cNvCxnSpPr>
+          <p:nvPr/>
+        </p:nvCxnSpPr>
+        <p:spPr>
+          <a:xfrm flipH="1">
+            <a:off x="4092702" y="1895941"/>
+            <a:ext cx="303996" cy="413936"/>
+          </a:xfrm>
+          <a:prstGeom prst="straightConnector1">
+            <a:avLst/>
+          </a:prstGeom>
+          <a:ln>
+            <a:tailEnd type="arrow"/>
+          </a:ln>
+        </p:spPr>
+        <p:style>
+          <a:lnRef idx="1">
+            <a:schemeClr val="accent1"/>
+          </a:lnRef>
+          <a:fillRef idx="0">
+            <a:schemeClr val="accent1"/>
+          </a:fillRef>
+          <a:effectRef idx="0">
+            <a:schemeClr val="accent1"/>
+          </a:effectRef>
+          <a:fontRef idx="minor">
+            <a:schemeClr val="tx1"/>
+          </a:fontRef>
+        </p:style>
+      </p:cxnSp>
+      <p:cxnSp>
+        <p:nvCxnSpPr>
+          <p:cNvPr id="40" name="Straight Arrow Connector 39"/>
+          <p:cNvCxnSpPr>
+            <a:stCxn id="34" idx="5"/>
+            <a:endCxn id="35" idx="0"/>
+          </p:cNvCxnSpPr>
+          <p:nvPr/>
+        </p:nvCxnSpPr>
+        <p:spPr>
+          <a:xfrm>
+            <a:off x="4701668" y="1895941"/>
+            <a:ext cx="304715" cy="393107"/>
+          </a:xfrm>
+          <a:prstGeom prst="straightConnector1">
+            <a:avLst/>
+          </a:prstGeom>
+          <a:ln>
+            <a:tailEnd type="arrow"/>
+          </a:ln>
+        </p:spPr>
+        <p:style>
+          <a:lnRef idx="1">
+            <a:schemeClr val="accent1"/>
+          </a:lnRef>
+          <a:fillRef idx="0">
+            <a:schemeClr val="accent1"/>
+          </a:fillRef>
+          <a:effectRef idx="0">
+            <a:schemeClr val="accent1"/>
+          </a:effectRef>
+          <a:fontRef idx="minor">
+            <a:schemeClr val="tx1"/>
+          </a:fontRef>
+        </p:style>
+      </p:cxnSp>
+      <p:cxnSp>
+        <p:nvCxnSpPr>
+          <p:cNvPr id="42" name="Straight Arrow Connector 41"/>
+          <p:cNvCxnSpPr>
+            <a:stCxn id="37" idx="4"/>
+            <a:endCxn id="36" idx="0"/>
+          </p:cNvCxnSpPr>
+          <p:nvPr/>
+        </p:nvCxnSpPr>
+        <p:spPr>
+          <a:xfrm>
+            <a:off x="4092702" y="2741169"/>
+            <a:ext cx="0" cy="381507"/>
+          </a:xfrm>
+          <a:prstGeom prst="straightConnector1">
+            <a:avLst/>
+          </a:prstGeom>
+          <a:ln>
+            <a:tailEnd type="arrow"/>
+          </a:ln>
+        </p:spPr>
+        <p:style>
+          <a:lnRef idx="1">
+            <a:schemeClr val="accent1"/>
+          </a:lnRef>
+          <a:fillRef idx="0">
+            <a:schemeClr val="accent1"/>
+          </a:fillRef>
+          <a:effectRef idx="0">
+            <a:schemeClr val="accent1"/>
+          </a:effectRef>
+          <a:fontRef idx="minor">
+            <a:schemeClr val="tx1"/>
+          </a:fontRef>
+        </p:style>
+      </p:cxnSp>
+      <p:sp>
+        <p:nvSpPr>
+          <p:cNvPr id="43" name="Right Arrow 42"/>
+          <p:cNvSpPr/>
+          <p:nvPr/>
+        </p:nvSpPr>
+        <p:spPr>
+          <a:xfrm flipH="1">
+            <a:off x="4760257" y="4797382"/>
+            <a:ext cx="533400" cy="384980"/>
+          </a:xfrm>
+          <a:prstGeom prst="rightArrow">
+            <a:avLst/>
+          </a:prstGeom>
+        </p:spPr>
+        <p:style>
+          <a:lnRef idx="2">
+            <a:schemeClr val="accent1">
+              <a:shade val="50000"/>
+            </a:schemeClr>
+          </a:lnRef>
+          <a:fillRef idx="1">
+            <a:schemeClr val="accent1"/>
+          </a:fillRef>
+          <a:effectRef idx="0">
+            <a:schemeClr val="accent1"/>
+          </a:effectRef>
+          <a:fontRef idx="minor">
+            <a:schemeClr val="lt1"/>
+          </a:fontRef>
+        </p:style>
+        <p:txBody>
+          <a:bodyPr rtlCol="0" anchor="ctr"/>
+          <a:lstStyle/>
+          <a:p>
+            <a:pPr algn="ctr"/>
+            <a:endParaRPr lang="en-US"/>
+          </a:p>
+        </p:txBody>
+      </p:sp>
+      <p:sp>
+        <p:nvSpPr>
+          <p:cNvPr id="44" name="Oval 43"/>
+          <p:cNvSpPr/>
+          <p:nvPr/>
+        </p:nvSpPr>
+        <p:spPr>
+          <a:xfrm>
+            <a:off x="6265164" y="3989832"/>
+            <a:ext cx="431292" cy="431292"/>
+          </a:xfrm>
+          <a:prstGeom prst="ellipse">
+            <a:avLst/>
+          </a:prstGeom>
+        </p:spPr>
+        <p:style>
+          <a:lnRef idx="2">
+            <a:schemeClr val="accent1">
+              <a:shade val="50000"/>
+            </a:schemeClr>
+          </a:lnRef>
+          <a:fillRef idx="1">
+            <a:schemeClr val="accent1"/>
+          </a:fillRef>
+          <a:effectRef idx="0">
+            <a:schemeClr val="accent1"/>
+          </a:effectRef>
+          <a:fontRef idx="minor">
+            <a:schemeClr val="lt1"/>
+          </a:fontRef>
+        </p:style>
+        <p:txBody>
+          <a:bodyPr rtlCol="0" anchor="ctr"/>
+          <a:lstStyle/>
+          <a:p>
+            <a:pPr algn="ctr"/>
+            <a:r>
+              <a:rPr lang="en-US" dirty="0" smtClean="0"/>
+              <a:t>A</a:t>
+            </a:r>
+            <a:endParaRPr lang="en-US" dirty="0"/>
+          </a:p>
+        </p:txBody>
+      </p:sp>
+      <p:sp>
+        <p:nvSpPr>
+          <p:cNvPr id="45" name="Oval 44"/>
+          <p:cNvSpPr/>
+          <p:nvPr/>
+        </p:nvSpPr>
+        <p:spPr>
+          <a:xfrm>
+            <a:off x="6722364" y="4751070"/>
+            <a:ext cx="431292" cy="431292"/>
+          </a:xfrm>
+          <a:prstGeom prst="ellipse">
+            <a:avLst/>
+          </a:prstGeom>
+        </p:spPr>
+        <p:style>
+          <a:lnRef idx="2">
+            <a:schemeClr val="accent1">
+              <a:shade val="50000"/>
+            </a:schemeClr>
+          </a:lnRef>
+          <a:fillRef idx="1">
+            <a:schemeClr val="accent1"/>
+          </a:fillRef>
+          <a:effectRef idx="0">
+            <a:schemeClr val="accent1"/>
+          </a:effectRef>
+          <a:fontRef idx="minor">
+            <a:schemeClr val="lt1"/>
+          </a:fontRef>
+        </p:style>
+        <p:txBody>
+          <a:bodyPr rtlCol="0" anchor="ctr"/>
+          <a:lstStyle/>
+          <a:p>
+            <a:pPr algn="ctr"/>
+            <a:r>
+              <a:rPr lang="en-US" dirty="0" smtClean="0"/>
+              <a:t>C</a:t>
+            </a:r>
+            <a:endParaRPr lang="en-US" dirty="0"/>
+          </a:p>
+        </p:txBody>
+      </p:sp>
+      <p:sp>
+        <p:nvSpPr>
+          <p:cNvPr id="46" name="Oval 45"/>
+          <p:cNvSpPr/>
+          <p:nvPr/>
+        </p:nvSpPr>
+        <p:spPr>
+          <a:xfrm>
+            <a:off x="5807964" y="5563362"/>
+            <a:ext cx="431292" cy="431292"/>
+          </a:xfrm>
+          <a:prstGeom prst="ellipse">
+            <a:avLst/>
+          </a:prstGeom>
+        </p:spPr>
+        <p:style>
+          <a:lnRef idx="2">
+            <a:schemeClr val="accent1">
+              <a:shade val="50000"/>
+            </a:schemeClr>
+          </a:lnRef>
+          <a:fillRef idx="1">
+            <a:schemeClr val="accent1"/>
+          </a:fillRef>
+          <a:effectRef idx="0">
+            <a:schemeClr val="accent1"/>
+          </a:effectRef>
+          <a:fontRef idx="minor">
+            <a:schemeClr val="lt1"/>
+          </a:fontRef>
+        </p:style>
+        <p:txBody>
+          <a:bodyPr rtlCol="0" anchor="ctr"/>
+          <a:lstStyle/>
+          <a:p>
+            <a:pPr algn="ctr"/>
+            <a:r>
+              <a:rPr lang="en-US" dirty="0"/>
+              <a:t>E</a:t>
+            </a:r>
+            <a:endParaRPr lang="en-US" dirty="0"/>
+          </a:p>
+        </p:txBody>
+      </p:sp>
+      <p:sp>
+        <p:nvSpPr>
+          <p:cNvPr id="47" name="Oval 46"/>
+          <p:cNvSpPr/>
+          <p:nvPr/>
+        </p:nvSpPr>
+        <p:spPr>
+          <a:xfrm>
+            <a:off x="5808683" y="4771899"/>
+            <a:ext cx="431292" cy="431292"/>
+          </a:xfrm>
+          <a:prstGeom prst="ellipse">
+            <a:avLst/>
+          </a:prstGeom>
+        </p:spPr>
+        <p:style>
+          <a:lnRef idx="2">
+            <a:schemeClr val="accent1">
+              <a:shade val="50000"/>
+            </a:schemeClr>
+          </a:lnRef>
+          <a:fillRef idx="1">
+            <a:schemeClr val="accent1"/>
+          </a:fillRef>
+          <a:effectRef idx="0">
+            <a:schemeClr val="accent1"/>
+          </a:effectRef>
+          <a:fontRef idx="minor">
+            <a:schemeClr val="lt1"/>
+          </a:fontRef>
+        </p:style>
+        <p:txBody>
+          <a:bodyPr rtlCol="0" anchor="ctr"/>
+          <a:lstStyle/>
+          <a:p>
+            <a:pPr algn="ctr"/>
+            <a:r>
+              <a:rPr lang="en-US" dirty="0"/>
+              <a:t>B</a:t>
+            </a:r>
+            <a:endParaRPr lang="en-US" dirty="0"/>
+          </a:p>
+        </p:txBody>
+      </p:sp>
+      <p:sp>
+        <p:nvSpPr>
+          <p:cNvPr id="48" name="Oval 47"/>
+          <p:cNvSpPr/>
+          <p:nvPr/>
+        </p:nvSpPr>
+        <p:spPr>
+          <a:xfrm>
+            <a:off x="6731508" y="5541264"/>
+            <a:ext cx="431292" cy="431292"/>
+          </a:xfrm>
+          <a:prstGeom prst="ellipse">
+            <a:avLst/>
+          </a:prstGeom>
+        </p:spPr>
+        <p:style>
+          <a:lnRef idx="2">
+            <a:schemeClr val="accent1">
+              <a:shade val="50000"/>
+            </a:schemeClr>
+          </a:lnRef>
+          <a:fillRef idx="1">
+            <a:schemeClr val="accent1"/>
+          </a:fillRef>
+          <a:effectRef idx="0">
+            <a:schemeClr val="accent1"/>
+          </a:effectRef>
+          <a:fontRef idx="minor">
+            <a:schemeClr val="lt1"/>
+          </a:fontRef>
+        </p:style>
+        <p:txBody>
+          <a:bodyPr rtlCol="0" anchor="ctr"/>
+          <a:lstStyle/>
+          <a:p>
+            <a:pPr algn="ctr"/>
+            <a:r>
+              <a:rPr lang="en-US" dirty="0" smtClean="0"/>
+              <a:t>F</a:t>
+            </a:r>
+            <a:endParaRPr lang="en-US" dirty="0"/>
+          </a:p>
+        </p:txBody>
+      </p:sp>
+      <p:cxnSp>
+        <p:nvCxnSpPr>
+          <p:cNvPr id="49" name="Straight Arrow Connector 48"/>
+          <p:cNvCxnSpPr>
+            <a:stCxn id="44" idx="3"/>
+            <a:endCxn id="47" idx="0"/>
+          </p:cNvCxnSpPr>
+          <p:nvPr/>
+        </p:nvCxnSpPr>
+        <p:spPr>
+          <a:xfrm flipH="1">
+            <a:off x="6024329" y="4357963"/>
+            <a:ext cx="303996" cy="413936"/>
+          </a:xfrm>
+          <a:prstGeom prst="straightConnector1">
+            <a:avLst/>
+          </a:prstGeom>
+          <a:ln>
+            <a:tailEnd type="arrow"/>
+          </a:ln>
+        </p:spPr>
+        <p:style>
+          <a:lnRef idx="1">
+            <a:schemeClr val="accent1"/>
+          </a:lnRef>
+          <a:fillRef idx="0">
+            <a:schemeClr val="accent1"/>
+          </a:fillRef>
+          <a:effectRef idx="0">
+            <a:schemeClr val="accent1"/>
+          </a:effectRef>
+          <a:fontRef idx="minor">
+            <a:schemeClr val="tx1"/>
+          </a:fontRef>
+        </p:style>
+      </p:cxnSp>
+      <p:cxnSp>
+        <p:nvCxnSpPr>
+          <p:cNvPr id="50" name="Straight Arrow Connector 49"/>
+          <p:cNvCxnSpPr>
+            <a:stCxn id="44" idx="5"/>
+            <a:endCxn id="45" idx="0"/>
+          </p:cNvCxnSpPr>
+          <p:nvPr/>
+        </p:nvCxnSpPr>
+        <p:spPr>
+          <a:xfrm>
+            <a:off x="6633295" y="4357963"/>
+            <a:ext cx="304715" cy="393107"/>
+          </a:xfrm>
+          <a:prstGeom prst="straightConnector1">
+            <a:avLst/>
+          </a:prstGeom>
+          <a:ln>
+            <a:tailEnd type="arrow"/>
+          </a:ln>
+        </p:spPr>
+        <p:style>
+          <a:lnRef idx="1">
+            <a:schemeClr val="accent1"/>
+          </a:lnRef>
+          <a:fillRef idx="0">
+            <a:schemeClr val="accent1"/>
+          </a:fillRef>
+          <a:effectRef idx="0">
+            <a:schemeClr val="accent1"/>
+          </a:effectRef>
+          <a:fontRef idx="minor">
+            <a:schemeClr val="tx1"/>
+          </a:fontRef>
+        </p:style>
+      </p:cxnSp>
+      <p:cxnSp>
+        <p:nvCxnSpPr>
+          <p:cNvPr id="51" name="Straight Arrow Connector 50"/>
+          <p:cNvCxnSpPr>
+            <a:stCxn id="45" idx="4"/>
+            <a:endCxn id="48" idx="0"/>
+          </p:cNvCxnSpPr>
+          <p:nvPr/>
+        </p:nvCxnSpPr>
+        <p:spPr>
+          <a:xfrm>
+            <a:off x="6938010" y="5182362"/>
+            <a:ext cx="9144" cy="358902"/>
+          </a:xfrm>
+          <a:prstGeom prst="straightConnector1">
+            <a:avLst/>
+          </a:prstGeom>
+          <a:ln>
+            <a:tailEnd type="arrow"/>
+          </a:ln>
+        </p:spPr>
+        <p:style>
+          <a:lnRef idx="1">
+            <a:schemeClr val="accent1"/>
+          </a:lnRef>
+          <a:fillRef idx="0">
+            <a:schemeClr val="accent1"/>
+          </a:fillRef>
+          <a:effectRef idx="0">
+            <a:schemeClr val="accent1"/>
+          </a:effectRef>
+          <a:fontRef idx="minor">
+            <a:schemeClr val="tx1"/>
+          </a:fontRef>
+        </p:style>
+      </p:cxnSp>
+      <p:cxnSp>
+        <p:nvCxnSpPr>
+          <p:cNvPr id="52" name="Straight Arrow Connector 51"/>
+          <p:cNvCxnSpPr>
+            <a:stCxn id="47" idx="4"/>
+            <a:endCxn id="46" idx="0"/>
+          </p:cNvCxnSpPr>
+          <p:nvPr/>
+        </p:nvCxnSpPr>
+        <p:spPr>
+          <a:xfrm flipH="1">
+            <a:off x="6023610" y="5203191"/>
+            <a:ext cx="719" cy="360171"/>
+          </a:xfrm>
+          <a:prstGeom prst="straightConnector1">
+            <a:avLst/>
+          </a:prstGeom>
+          <a:ln>
+            <a:tailEnd type="arrow"/>
+          </a:ln>
+        </p:spPr>
+        <p:style>
+          <a:lnRef idx="1">
+            <a:schemeClr val="accent1"/>
+          </a:lnRef>
+          <a:fillRef idx="0">
+            <a:schemeClr val="accent1"/>
+          </a:fillRef>
+          <a:effectRef idx="0">
+            <a:schemeClr val="accent1"/>
+          </a:effectRef>
+          <a:fontRef idx="minor">
+            <a:schemeClr val="tx1"/>
+          </a:fontRef>
+        </p:style>
+      </p:cxnSp>
+      <p:sp>
+        <p:nvSpPr>
+          <p:cNvPr id="54" name="TextBox 53"/>
+          <p:cNvSpPr txBox="1"/>
+          <p:nvPr/>
+        </p:nvSpPr>
+        <p:spPr>
+          <a:xfrm>
+            <a:off x="5858256" y="1856232"/>
+            <a:ext cx="1139190" cy="369332"/>
+          </a:xfrm>
+          <a:prstGeom prst="rect">
+            <a:avLst/>
+          </a:prstGeom>
+          <a:noFill/>
+        </p:spPr>
+        <p:txBody>
+          <a:bodyPr wrap="square" rtlCol="0">
+            <a:spAutoFit/>
+          </a:bodyPr>
+          <a:lstStyle/>
+          <a:p>
+            <a:r>
+              <a:rPr lang="en-US" dirty="0" smtClean="0"/>
+              <a:t>Add F to C</a:t>
+            </a:r>
+            <a:endParaRPr lang="en-US" dirty="0"/>
+          </a:p>
+        </p:txBody>
+      </p:sp>
+      <p:sp>
+        <p:nvSpPr>
+          <p:cNvPr id="56" name="Bent-Up Arrow 55"/>
+          <p:cNvSpPr/>
+          <p:nvPr/>
+        </p:nvSpPr>
+        <p:spPr>
+          <a:xfrm flipV="1">
+            <a:off x="5935133" y="2389632"/>
+            <a:ext cx="761323" cy="791463"/>
+          </a:xfrm>
+          <a:prstGeom prst="bentUpArrow">
+            <a:avLst>
+              <a:gd name="adj1" fmla="val 28603"/>
+              <a:gd name="adj2" fmla="val 25000"/>
+              <a:gd name="adj3" fmla="val 25000"/>
+            </a:avLst>
+          </a:prstGeom>
+        </p:spPr>
+        <p:style>
+          <a:lnRef idx="2">
+            <a:schemeClr val="accent1">
+              <a:shade val="50000"/>
+            </a:schemeClr>
+          </a:lnRef>
+          <a:fillRef idx="1">
+            <a:schemeClr val="accent1"/>
+          </a:fillRef>
+          <a:effectRef idx="0">
+            <a:schemeClr val="accent1"/>
+          </a:effectRef>
+          <a:fontRef idx="minor">
+            <a:schemeClr val="lt1"/>
+          </a:fontRef>
+        </p:style>
+        <p:txBody>
+          <a:bodyPr rtlCol="0" anchor="ctr"/>
+          <a:lstStyle/>
+          <a:p>
+            <a:pPr algn="ctr"/>
+            <a:endParaRPr lang="en-US"/>
+          </a:p>
+        </p:txBody>
+      </p:sp>
+      <p:sp>
+        <p:nvSpPr>
+          <p:cNvPr id="57" name="TextBox 56"/>
+          <p:cNvSpPr txBox="1"/>
+          <p:nvPr/>
+        </p:nvSpPr>
+        <p:spPr>
+          <a:xfrm>
+            <a:off x="4258056" y="4306300"/>
+            <a:ext cx="1600200" cy="369332"/>
+          </a:xfrm>
+          <a:prstGeom prst="rect">
+            <a:avLst/>
+          </a:prstGeom>
+          <a:noFill/>
+        </p:spPr>
+        <p:txBody>
+          <a:bodyPr wrap="square" rtlCol="0">
+            <a:spAutoFit/>
+          </a:bodyPr>
+          <a:lstStyle/>
+          <a:p>
+            <a:r>
+              <a:rPr lang="en-US" dirty="0" smtClean="0"/>
+              <a:t>Relabel A as G</a:t>
+            </a:r>
+            <a:endParaRPr lang="en-US" dirty="0"/>
+          </a:p>
+        </p:txBody>
+      </p:sp>
+      <p:sp>
+        <p:nvSpPr>
+          <p:cNvPr id="63" name="TextBox 62"/>
+          <p:cNvSpPr txBox="1"/>
+          <p:nvPr/>
+        </p:nvSpPr>
+        <p:spPr>
+          <a:xfrm>
+            <a:off x="2734056" y="1856232"/>
+            <a:ext cx="990600" cy="369332"/>
+          </a:xfrm>
+          <a:prstGeom prst="rect">
+            <a:avLst/>
+          </a:prstGeom>
+          <a:noFill/>
+        </p:spPr>
+        <p:txBody>
+          <a:bodyPr wrap="square" rtlCol="0">
+            <a:spAutoFit/>
+          </a:bodyPr>
+          <a:lstStyle/>
+          <a:p>
+            <a:r>
+              <a:rPr lang="en-US" dirty="0" smtClean="0"/>
+              <a:t>Delete D</a:t>
+            </a:r>
+            <a:endParaRPr lang="en-US" dirty="0"/>
+          </a:p>
+        </p:txBody>
+      </p:sp>
+      <p:sp>
+        <p:nvSpPr>
+          <p:cNvPr id="73" name="Oval 72"/>
+          <p:cNvSpPr/>
+          <p:nvPr/>
+        </p:nvSpPr>
+        <p:spPr>
+          <a:xfrm>
+            <a:off x="3302508" y="4014978"/>
+            <a:ext cx="431292" cy="431292"/>
+          </a:xfrm>
+          <a:prstGeom prst="ellipse">
+            <a:avLst/>
+          </a:prstGeom>
+        </p:spPr>
+        <p:style>
+          <a:lnRef idx="2">
+            <a:schemeClr val="accent1">
+              <a:shade val="50000"/>
+            </a:schemeClr>
+          </a:lnRef>
+          <a:fillRef idx="1">
+            <a:schemeClr val="accent1"/>
+          </a:fillRef>
+          <a:effectRef idx="0">
+            <a:schemeClr val="accent1"/>
+          </a:effectRef>
+          <a:fontRef idx="minor">
+            <a:schemeClr val="lt1"/>
+          </a:fontRef>
+        </p:style>
+        <p:txBody>
+          <a:bodyPr rtlCol="0" anchor="ctr"/>
+          <a:lstStyle/>
+          <a:p>
+            <a:pPr algn="ctr"/>
+            <a:r>
+              <a:rPr lang="en-US" dirty="0"/>
+              <a:t>G</a:t>
+            </a:r>
+          </a:p>
+        </p:txBody>
+      </p:sp>
+      <p:sp>
+        <p:nvSpPr>
+          <p:cNvPr id="74" name="Oval 73"/>
+          <p:cNvSpPr/>
+          <p:nvPr/>
+        </p:nvSpPr>
+        <p:spPr>
+          <a:xfrm>
+            <a:off x="3759708" y="4776216"/>
+            <a:ext cx="431292" cy="431292"/>
+          </a:xfrm>
+          <a:prstGeom prst="ellipse">
+            <a:avLst/>
+          </a:prstGeom>
+        </p:spPr>
+        <p:style>
+          <a:lnRef idx="2">
+            <a:schemeClr val="accent1">
+              <a:shade val="50000"/>
+            </a:schemeClr>
+          </a:lnRef>
+          <a:fillRef idx="1">
+            <a:schemeClr val="accent1"/>
+          </a:fillRef>
+          <a:effectRef idx="0">
+            <a:schemeClr val="accent1"/>
+          </a:effectRef>
+          <a:fontRef idx="minor">
+            <a:schemeClr val="lt1"/>
+          </a:fontRef>
+        </p:style>
+        <p:txBody>
+          <a:bodyPr rtlCol="0" anchor="ctr"/>
+          <a:lstStyle/>
+          <a:p>
+            <a:pPr algn="ctr"/>
+            <a:r>
+              <a:rPr lang="en-US" dirty="0" smtClean="0"/>
+              <a:t>C</a:t>
+            </a:r>
+            <a:endParaRPr lang="en-US" dirty="0"/>
+          </a:p>
+        </p:txBody>
+      </p:sp>
+      <p:sp>
+        <p:nvSpPr>
+          <p:cNvPr id="75" name="Oval 74"/>
+          <p:cNvSpPr/>
+          <p:nvPr/>
+        </p:nvSpPr>
+        <p:spPr>
+          <a:xfrm>
+            <a:off x="2845308" y="5588508"/>
+            <a:ext cx="431292" cy="431292"/>
+          </a:xfrm>
+          <a:prstGeom prst="ellipse">
+            <a:avLst/>
+          </a:prstGeom>
+        </p:spPr>
+        <p:style>
+          <a:lnRef idx="2">
+            <a:schemeClr val="accent1">
+              <a:shade val="50000"/>
+            </a:schemeClr>
+          </a:lnRef>
+          <a:fillRef idx="1">
+            <a:schemeClr val="accent1"/>
+          </a:fillRef>
+          <a:effectRef idx="0">
+            <a:schemeClr val="accent1"/>
+          </a:effectRef>
+          <a:fontRef idx="minor">
+            <a:schemeClr val="lt1"/>
+          </a:fontRef>
+        </p:style>
+        <p:txBody>
+          <a:bodyPr rtlCol="0" anchor="ctr"/>
+          <a:lstStyle/>
+          <a:p>
+            <a:pPr algn="ctr"/>
+            <a:r>
+              <a:rPr lang="en-US" dirty="0"/>
+              <a:t>E</a:t>
+            </a:r>
+            <a:endParaRPr lang="en-US" dirty="0"/>
+          </a:p>
+        </p:txBody>
+      </p:sp>
+      <p:sp>
+        <p:nvSpPr>
+          <p:cNvPr id="76" name="Oval 75"/>
+          <p:cNvSpPr/>
+          <p:nvPr/>
+        </p:nvSpPr>
+        <p:spPr>
+          <a:xfrm>
+            <a:off x="2846027" y="4797045"/>
+            <a:ext cx="431292" cy="431292"/>
+          </a:xfrm>
+          <a:prstGeom prst="ellipse">
+            <a:avLst/>
+          </a:prstGeom>
+        </p:spPr>
+        <p:style>
+          <a:lnRef idx="2">
+            <a:schemeClr val="accent1">
+              <a:shade val="50000"/>
+            </a:schemeClr>
+          </a:lnRef>
+          <a:fillRef idx="1">
+            <a:schemeClr val="accent1"/>
+          </a:fillRef>
+          <a:effectRef idx="0">
+            <a:schemeClr val="accent1"/>
+          </a:effectRef>
+          <a:fontRef idx="minor">
+            <a:schemeClr val="lt1"/>
+          </a:fontRef>
+        </p:style>
+        <p:txBody>
+          <a:bodyPr rtlCol="0" anchor="ctr"/>
+          <a:lstStyle/>
+          <a:p>
+            <a:pPr algn="ctr"/>
+            <a:r>
+              <a:rPr lang="en-US" dirty="0"/>
+              <a:t>B</a:t>
+            </a:r>
+            <a:endParaRPr lang="en-US" dirty="0"/>
+          </a:p>
+        </p:txBody>
+      </p:sp>
+      <p:sp>
+        <p:nvSpPr>
+          <p:cNvPr id="77" name="Oval 76"/>
+          <p:cNvSpPr/>
+          <p:nvPr/>
+        </p:nvSpPr>
+        <p:spPr>
+          <a:xfrm>
+            <a:off x="3768852" y="5566410"/>
+            <a:ext cx="431292" cy="431292"/>
+          </a:xfrm>
+          <a:prstGeom prst="ellipse">
+            <a:avLst/>
+          </a:prstGeom>
+        </p:spPr>
+        <p:style>
+          <a:lnRef idx="2">
+            <a:schemeClr val="accent1">
+              <a:shade val="50000"/>
+            </a:schemeClr>
+          </a:lnRef>
+          <a:fillRef idx="1">
+            <a:schemeClr val="accent1"/>
+          </a:fillRef>
+          <a:effectRef idx="0">
+            <a:schemeClr val="accent1"/>
+          </a:effectRef>
+          <a:fontRef idx="minor">
+            <a:schemeClr val="lt1"/>
+          </a:fontRef>
+        </p:style>
+        <p:txBody>
+          <a:bodyPr rtlCol="0" anchor="ctr"/>
+          <a:lstStyle/>
+          <a:p>
+            <a:pPr algn="ctr"/>
+            <a:r>
+              <a:rPr lang="en-US" dirty="0" smtClean="0"/>
+              <a:t>F</a:t>
+            </a:r>
+            <a:endParaRPr lang="en-US" dirty="0"/>
+          </a:p>
+        </p:txBody>
+      </p:sp>
+      <p:cxnSp>
+        <p:nvCxnSpPr>
+          <p:cNvPr id="78" name="Straight Arrow Connector 77"/>
+          <p:cNvCxnSpPr>
+            <a:stCxn id="73" idx="3"/>
+            <a:endCxn id="76" idx="0"/>
+          </p:cNvCxnSpPr>
+          <p:nvPr/>
+        </p:nvCxnSpPr>
+        <p:spPr>
+          <a:xfrm flipH="1">
+            <a:off x="3061673" y="4383109"/>
+            <a:ext cx="303996" cy="413936"/>
+          </a:xfrm>
+          <a:prstGeom prst="straightConnector1">
+            <a:avLst/>
+          </a:prstGeom>
+          <a:ln>
+            <a:tailEnd type="arrow"/>
+          </a:ln>
+        </p:spPr>
+        <p:style>
+          <a:lnRef idx="1">
+            <a:schemeClr val="accent1"/>
+          </a:lnRef>
+          <a:fillRef idx="0">
+            <a:schemeClr val="accent1"/>
+          </a:fillRef>
+          <a:effectRef idx="0">
+            <a:schemeClr val="accent1"/>
+          </a:effectRef>
+          <a:fontRef idx="minor">
+            <a:schemeClr val="tx1"/>
+          </a:fontRef>
+        </p:style>
+      </p:cxnSp>
+      <p:cxnSp>
+        <p:nvCxnSpPr>
+          <p:cNvPr id="79" name="Straight Arrow Connector 78"/>
+          <p:cNvCxnSpPr>
+            <a:stCxn id="73" idx="5"/>
+            <a:endCxn id="74" idx="0"/>
+          </p:cNvCxnSpPr>
+          <p:nvPr/>
+        </p:nvCxnSpPr>
+        <p:spPr>
+          <a:xfrm>
+            <a:off x="3670639" y="4383109"/>
+            <a:ext cx="304715" cy="393107"/>
+          </a:xfrm>
+          <a:prstGeom prst="straightConnector1">
+            <a:avLst/>
+          </a:prstGeom>
+          <a:ln>
+            <a:tailEnd type="arrow"/>
+          </a:ln>
+        </p:spPr>
+        <p:style>
+          <a:lnRef idx="1">
+            <a:schemeClr val="accent1"/>
+          </a:lnRef>
+          <a:fillRef idx="0">
+            <a:schemeClr val="accent1"/>
+          </a:fillRef>
+          <a:effectRef idx="0">
+            <a:schemeClr val="accent1"/>
+          </a:effectRef>
+          <a:fontRef idx="minor">
+            <a:schemeClr val="tx1"/>
+          </a:fontRef>
+        </p:style>
+      </p:cxnSp>
+      <p:cxnSp>
+        <p:nvCxnSpPr>
+          <p:cNvPr id="80" name="Straight Arrow Connector 79"/>
+          <p:cNvCxnSpPr>
+            <a:stCxn id="74" idx="4"/>
+            <a:endCxn id="77" idx="0"/>
+          </p:cNvCxnSpPr>
+          <p:nvPr/>
+        </p:nvCxnSpPr>
+        <p:spPr>
+          <a:xfrm>
+            <a:off x="3975354" y="5207508"/>
+            <a:ext cx="9144" cy="358902"/>
+          </a:xfrm>
+          <a:prstGeom prst="straightConnector1">
+            <a:avLst/>
+          </a:prstGeom>
+          <a:ln>
+            <a:tailEnd type="arrow"/>
+          </a:ln>
+        </p:spPr>
+        <p:style>
+          <a:lnRef idx="1">
+            <a:schemeClr val="accent1"/>
+          </a:lnRef>
+          <a:fillRef idx="0">
+            <a:schemeClr val="accent1"/>
+          </a:fillRef>
+          <a:effectRef idx="0">
+            <a:schemeClr val="accent1"/>
+          </a:effectRef>
+          <a:fontRef idx="minor">
+            <a:schemeClr val="tx1"/>
+          </a:fontRef>
+        </p:style>
+      </p:cxnSp>
+      <p:cxnSp>
+        <p:nvCxnSpPr>
+          <p:cNvPr id="81" name="Straight Arrow Connector 80"/>
+          <p:cNvCxnSpPr>
+            <a:stCxn id="76" idx="4"/>
+            <a:endCxn id="75" idx="0"/>
+          </p:cNvCxnSpPr>
+          <p:nvPr/>
+        </p:nvCxnSpPr>
+        <p:spPr>
+          <a:xfrm flipH="1">
+            <a:off x="3060954" y="5228337"/>
+            <a:ext cx="719" cy="360171"/>
+          </a:xfrm>
+          <a:prstGeom prst="straightConnector1">
+            <a:avLst/>
+          </a:prstGeom>
+          <a:ln>
+            <a:tailEnd type="arrow"/>
+          </a:ln>
+        </p:spPr>
+        <p:style>
+          <a:lnRef idx="1">
+            <a:schemeClr val="accent1"/>
+          </a:lnRef>
+          <a:fillRef idx="0">
+            <a:schemeClr val="accent1"/>
+          </a:fillRef>
+          <a:effectRef idx="0">
+            <a:schemeClr val="accent1"/>
+          </a:effectRef>
+          <a:fontRef idx="minor">
+            <a:schemeClr val="tx1"/>
+          </a:fontRef>
+        </p:style>
+      </p:cxnSp>
+    </p:spTree>
+    <p:extLst>
+      <p:ext uri="{BB962C8B-B14F-4D97-AF65-F5344CB8AC3E}">
+        <p14:creationId xmlns:p14="http://schemas.microsoft.com/office/powerpoint/2010/main" val="2358344405"/>
+      </p:ext>
+    </p:extLst>
+  </p:cSld>
+  <p:clrMapOvr>
+    <a:masterClrMapping/>
+  </p:clrMapOvr>
+  <p:timing>
+    <p:tnLst>
+      <p:par>
+        <p:cTn id="1" dur="indefinite" restart="never" nodeType="tmRoot"/>
+      </p:par>
+    </p:tnLst>
+  </p:timing>
+</p:sld>
+</file>
+
+<file path=ppt/slides/slide5.xml><?xml version="1.0" encoding="utf-8"?>
+<p:sld xmlns:a="http://schemas.openxmlformats.org/drawingml/2006/main" xmlns:r="http://schemas.openxmlformats.org/officeDocument/2006/relationships" xmlns:p="http://schemas.openxmlformats.org/presentationml/2006/main">
+  <p:cSld>
+    <p:spTree>
+      <p:nvGrpSpPr>
+        <p:cNvPr id="1" name=""/>
+        <p:cNvGrpSpPr/>
+        <p:nvPr/>
+      </p:nvGrpSpPr>
+      <p:grpSpPr>
+        <a:xfrm>
+          <a:off x="0" y="0"/>
+          <a:ext cx="0" cy="0"/>
+          <a:chOff x="0" y="0"/>
+          <a:chExt cx="0" cy="0"/>
+        </a:xfrm>
+      </p:grpSpPr>
+      <p:sp>
+        <p:nvSpPr>
+          <p:cNvPr id="2" name="Title 1"/>
+          <p:cNvSpPr>
+            <a:spLocks noGrp="1"/>
+          </p:cNvSpPr>
+          <p:nvPr>
+            <p:ph type="title"/>
+          </p:nvPr>
+        </p:nvSpPr>
+        <p:spPr/>
+        <p:txBody>
+          <a:bodyPr/>
+          <a:lstStyle/>
+          <a:p>
+            <a:r>
+              <a:rPr lang="en-US" dirty="0" smtClean="0"/>
+              <a:t>Context</a:t>
+            </a:r>
+            <a:endParaRPr lang="en-US" dirty="0"/>
+          </a:p>
+        </p:txBody>
+      </p:sp>
+      <p:sp>
+        <p:nvSpPr>
+          <p:cNvPr id="3" name="Content Placeholder 2"/>
+          <p:cNvSpPr>
+            <a:spLocks noGrp="1"/>
+          </p:cNvSpPr>
+          <p:nvPr>
+            <p:ph idx="1"/>
+          </p:nvPr>
+        </p:nvSpPr>
+        <p:spPr/>
+        <p:txBody>
+          <a:bodyPr>
+            <a:normAutofit/>
+          </a:bodyPr>
+          <a:lstStyle/>
+          <a:p>
+            <a:pPr marL="0" indent="0" algn="ctr">
+              <a:buNone/>
+            </a:pPr>
+            <a:r>
+              <a:rPr lang="en-US" sz="3200" dirty="0" smtClean="0"/>
+              <a:t>Static Analysis</a:t>
+            </a:r>
+          </a:p>
+          <a:p>
+            <a:pPr marL="0" indent="0" algn="ctr">
+              <a:buNone/>
+            </a:pPr>
+            <a:endParaRPr lang="en-US" sz="4800" dirty="0" smtClean="0"/>
+          </a:p>
+          <a:p>
+            <a:pPr marL="0" indent="0" algn="ctr">
+              <a:buNone/>
+            </a:pPr>
+            <a:r>
+              <a:rPr lang="en-US" sz="3200" dirty="0" smtClean="0"/>
+              <a:t>“Recommendation systems for</a:t>
+            </a:r>
+          </a:p>
+          <a:p>
+            <a:pPr marL="0" indent="0" algn="ctr">
+              <a:buNone/>
+            </a:pPr>
+            <a:r>
+              <a:rPr lang="en-US" sz="3200" dirty="0" smtClean="0"/>
+              <a:t>software engineering”</a:t>
+            </a:r>
+          </a:p>
+          <a:p>
+            <a:pPr marL="0" indent="0" algn="ctr">
+              <a:buNone/>
+            </a:pPr>
+            <a:r>
+              <a:rPr lang="en-US" sz="1800" i="1" dirty="0" smtClean="0"/>
+              <a:t>(Robillard, Walker, and Zimmermann)</a:t>
+            </a:r>
+          </a:p>
+          <a:p>
+            <a:pPr marL="0" indent="0" algn="ctr">
+              <a:buNone/>
+            </a:pPr>
+            <a:endParaRPr lang="en-US" sz="4800" dirty="0" smtClean="0"/>
+          </a:p>
+          <a:p>
+            <a:pPr marL="0" indent="0" algn="ctr">
+              <a:buNone/>
+            </a:pPr>
+            <a:r>
+              <a:rPr lang="en-US" sz="3200" dirty="0" smtClean="0"/>
+              <a:t>RSSE Conference</a:t>
+            </a:r>
+          </a:p>
+        </p:txBody>
+      </p:sp>
+      <p:sp>
+        <p:nvSpPr>
+          <p:cNvPr id="4" name="Down Arrow 3"/>
+          <p:cNvSpPr/>
+          <p:nvPr/>
+        </p:nvSpPr>
+        <p:spPr>
+          <a:xfrm>
+            <a:off x="4038600" y="2133600"/>
+            <a:ext cx="609600" cy="990600"/>
+          </a:xfrm>
+          <a:prstGeom prst="downArrow">
+            <a:avLst/>
+          </a:prstGeom>
+        </p:spPr>
+        <p:style>
+          <a:lnRef idx="2">
+            <a:schemeClr val="accent1">
+              <a:shade val="50000"/>
+            </a:schemeClr>
+          </a:lnRef>
+          <a:fillRef idx="1">
+            <a:schemeClr val="accent1"/>
+          </a:fillRef>
+          <a:effectRef idx="0">
+            <a:schemeClr val="accent1"/>
+          </a:effectRef>
+          <a:fontRef idx="minor">
+            <a:schemeClr val="lt1"/>
+          </a:fontRef>
+        </p:style>
+        <p:txBody>
+          <a:bodyPr rtlCol="0" anchor="ctr"/>
+          <a:lstStyle/>
+          <a:p>
+            <a:pPr algn="ctr"/>
+            <a:endParaRPr lang="en-US" dirty="0"/>
+          </a:p>
+        </p:txBody>
+      </p:sp>
+      <p:sp>
+        <p:nvSpPr>
+          <p:cNvPr id="6" name="Down Arrow 5"/>
+          <p:cNvSpPr/>
+          <p:nvPr/>
+        </p:nvSpPr>
+        <p:spPr>
+          <a:xfrm>
+            <a:off x="4038600" y="4572000"/>
+            <a:ext cx="609600" cy="990600"/>
+          </a:xfrm>
+          <a:prstGeom prst="downArrow">
+            <a:avLst/>
+          </a:prstGeom>
+        </p:spPr>
+        <p:style>
+          <a:lnRef idx="2">
+            <a:schemeClr val="accent1">
+              <a:shade val="50000"/>
+            </a:schemeClr>
+          </a:lnRef>
+          <a:fillRef idx="1">
+            <a:schemeClr val="accent1"/>
+          </a:fillRef>
+          <a:effectRef idx="0">
+            <a:schemeClr val="accent1"/>
+          </a:effectRef>
+          <a:fontRef idx="minor">
+            <a:schemeClr val="lt1"/>
+          </a:fontRef>
+        </p:style>
+        <p:txBody>
+          <a:bodyPr rtlCol="0" anchor="ctr"/>
+          <a:lstStyle/>
+          <a:p>
+            <a:pPr algn="ctr"/>
+            <a:endParaRPr lang="en-US" dirty="0"/>
+          </a:p>
+        </p:txBody>
+      </p:sp>
+      <p:sp>
+        <p:nvSpPr>
+          <p:cNvPr id="5" name="Slide Number Placeholder 4"/>
+          <p:cNvSpPr>
+            <a:spLocks noGrp="1"/>
+          </p:cNvSpPr>
+          <p:nvPr>
+            <p:ph type="sldNum" sz="quarter" idx="12"/>
+          </p:nvPr>
+        </p:nvSpPr>
+        <p:spPr/>
+        <p:txBody>
+          <a:bodyPr/>
+          <a:lstStyle/>
+          <a:p>
+            <a:fld id="{3AABC387-3E4C-4E29-BE46-EB037DD9B57B}" type="slidenum">
+              <a:rPr lang="en-US" smtClean="0"/>
+              <a:t>5</a:t>
+            </a:fld>
+            <a:endParaRPr lang="en-US"/>
+          </a:p>
+        </p:txBody>
+      </p:sp>
+    </p:spTree>
+    <p:extLst>
+      <p:ext uri="{BB962C8B-B14F-4D97-AF65-F5344CB8AC3E}">
+        <p14:creationId xmlns:p14="http://schemas.microsoft.com/office/powerpoint/2010/main" val="1030916855"/>
+      </p:ext>
+    </p:extLst>
+  </p:cSld>
+  <p:clrMapOvr>
+    <a:masterClrMapping/>
+  </p:clrMapOvr>
+  <p:timing>
+    <p:tnLst>
+      <p:par>
+        <p:cTn id="1" dur="indefinite" restart="never" nodeType="tmRoot"/>
+      </p:par>
+    </p:tnLst>
+  </p:timing>
+</p:sld>
+</file>
+
+<file path=ppt/slides/slide6.xml><?xml version="1.0" encoding="utf-8"?>
+<p:sld xmlns:a="http://schemas.openxmlformats.org/drawingml/2006/main" xmlns:r="http://schemas.openxmlformats.org/officeDocument/2006/relationships" xmlns:p="http://schemas.openxmlformats.org/presentationml/2006/main">
+  <p:cSld>
+    <p:spTree>
+      <p:nvGrpSpPr>
+        <p:cNvPr id="1" name=""/>
+        <p:cNvGrpSpPr/>
+        <p:nvPr/>
+      </p:nvGrpSpPr>
+      <p:grpSpPr>
+        <a:xfrm>
+          <a:off x="0" y="0"/>
+          <a:ext cx="0" cy="0"/>
+          <a:chOff x="0" y="0"/>
+          <a:chExt cx="0" cy="0"/>
+        </a:xfrm>
+      </p:grpSpPr>
+      <p:sp>
+        <p:nvSpPr>
+          <p:cNvPr id="3" name="Content Placeholder 2"/>
+          <p:cNvSpPr>
+            <a:spLocks noGrp="1"/>
+          </p:cNvSpPr>
+          <p:nvPr>
+            <p:ph idx="1"/>
+          </p:nvPr>
+        </p:nvSpPr>
+        <p:spPr>
+          <a:xfrm>
+            <a:off x="387264" y="838200"/>
             <a:ext cx="7772399" cy="1142999"/>
           </a:xfrm>
         </p:spPr>
@@ -5629,7 +8180,7 @@
         </p:nvSpPr>
         <p:spPr>
           <a:xfrm>
-            <a:off x="603336" y="3352800"/>
+            <a:off x="381000" y="3352800"/>
             <a:ext cx="7778663" cy="1524000"/>
           </a:xfrm>
           <a:prstGeom prst="rect">
@@ -5824,7 +8375,7 @@
         </p:nvSpPr>
         <p:spPr>
           <a:xfrm>
-            <a:off x="603337" y="1904999"/>
+            <a:off x="381001" y="1904999"/>
             <a:ext cx="7778663" cy="1524000"/>
           </a:xfrm>
           <a:prstGeom prst="rect">
@@ -6020,7 +8571,7 @@
         </p:nvSpPr>
         <p:spPr>
           <a:xfrm>
-            <a:off x="603337" y="4800600"/>
+            <a:off x="381001" y="4800600"/>
             <a:ext cx="7778662" cy="1676400"/>
           </a:xfrm>
           <a:prstGeom prst="rect">
@@ -6213,16 +8764,21 @@
         </p:nvSpPr>
         <p:spPr>
           <a:xfrm rot="10800000">
-            <a:off x="1676400" y="2514600"/>
+            <a:off x="1454064" y="2514600"/>
             <a:ext cx="1371600" cy="685801"/>
           </a:xfrm>
           <a:prstGeom prst="bentUpArrow">
             <a:avLst>
               <a:gd name="adj1" fmla="val 30195"/>
-              <a:gd name="adj2" fmla="val 25000"/>
+              <a:gd name="adj2" fmla="val 27667"/>
               <a:gd name="adj3" fmla="val 25000"/>
             </a:avLst>
           </a:prstGeom>
+          <a:ln>
+            <a:solidFill>
+              <a:schemeClr val="accent1"/>
+            </a:solidFill>
+          </a:ln>
         </p:spPr>
         <p:style>
           <a:lnRef idx="2">
@@ -6257,7 +8813,7 @@
         </p:nvSpPr>
         <p:spPr>
           <a:xfrm flipV="1">
-            <a:off x="5638800" y="3962400"/>
+            <a:off x="5416464" y="3962400"/>
             <a:ext cx="1371600" cy="685801"/>
           </a:xfrm>
           <a:prstGeom prst="bentUpArrow">
@@ -6267,6 +8823,11 @@
               <a:gd name="adj3" fmla="val 26732"/>
             </a:avLst>
           </a:prstGeom>
+          <a:ln>
+            <a:solidFill>
+              <a:schemeClr val="accent1"/>
+            </a:solidFill>
+          </a:ln>
         </p:spPr>
         <p:style>
           <a:lnRef idx="2">
@@ -6301,7 +8862,7 @@
         </p:nvSpPr>
         <p:spPr>
           <a:xfrm flipV="1">
-            <a:off x="5638800" y="1143000"/>
+            <a:off x="5416464" y="1143000"/>
             <a:ext cx="1371600" cy="685801"/>
           </a:xfrm>
           <a:prstGeom prst="bentUpArrow">
@@ -6311,6 +8872,11 @@
               <a:gd name="adj3" fmla="val 26732"/>
             </a:avLst>
           </a:prstGeom>
+          <a:ln>
+            <a:solidFill>
+              <a:schemeClr val="accent1"/>
+            </a:solidFill>
+          </a:ln>
         </p:spPr>
         <p:style>
           <a:lnRef idx="2">
@@ -6333,6 +8899,29 @@
           <a:lstStyle/>
           <a:p>
             <a:pPr algn="ctr"/>
+            <a:endParaRPr lang="en-US"/>
+          </a:p>
+        </p:txBody>
+      </p:sp>
+      <p:sp>
+        <p:nvSpPr>
+          <p:cNvPr id="7" name="Slide Number Placeholder 6"/>
+          <p:cNvSpPr>
+            <a:spLocks noGrp="1"/>
+          </p:cNvSpPr>
+          <p:nvPr>
+            <p:ph type="sldNum" sz="quarter" idx="12"/>
+          </p:nvPr>
+        </p:nvSpPr>
+        <p:spPr/>
+        <p:txBody>
+          <a:bodyPr/>
+          <a:lstStyle/>
+          <a:p>
+            <a:fld id="{3AABC387-3E4C-4E29-BE46-EB037DD9B57B}" type="slidenum">
+              <a:rPr lang="en-US" smtClean="0"/>
+              <a:t>6</a:t>
+            </a:fld>
             <a:endParaRPr lang="en-US"/>
           </a:p>
         </p:txBody>
@@ -6357,7 +8946,7 @@
 </p:sld>
 </file>
 
-<file path=ppt/slides/slide5.xml><?xml version="1.0" encoding="utf-8"?>
+<file path=ppt/slides/slide7.xml><?xml version="1.0" encoding="utf-8"?>
 <p:sld xmlns:a="http://schemas.openxmlformats.org/drawingml/2006/main" xmlns:r="http://schemas.openxmlformats.org/officeDocument/2006/relationships" xmlns:p="http://schemas.openxmlformats.org/presentationml/2006/main">
   <p:cSld>
     <p:spTree>
@@ -6428,15 +9017,7 @@
             </a:pPr>
             <a:r>
               <a:rPr lang="en-US" sz="3200" dirty="0" smtClean="0"/>
-              <a:t>Suggest </a:t>
-            </a:r>
-            <a:r>
-              <a:rPr lang="en-US" sz="3200" dirty="0" smtClean="0"/>
-              <a:t>edits </a:t>
-            </a:r>
-            <a:r>
-              <a:rPr lang="en-US" sz="3200" dirty="0" smtClean="0"/>
-              <a:t>to correct implementation</a:t>
+              <a:t>Suggest edits to correct implementation</a:t>
             </a:r>
             <a:endParaRPr lang="en-US" sz="3200" dirty="0"/>
           </a:p>
@@ -6446,13 +9027,32 @@
             </a:pPr>
             <a:r>
               <a:rPr lang="en-US" sz="3200" dirty="0" smtClean="0"/>
-              <a:t>Implement </a:t>
-            </a:r>
-            <a:r>
-              <a:rPr lang="en-US" sz="3200" dirty="0" smtClean="0"/>
-              <a:t>as an Eclipse plugin</a:t>
+              <a:t>Implement as an Eclipse plugin</a:t>
             </a:r>
             <a:endParaRPr lang="en-US" sz="3200" dirty="0"/>
+          </a:p>
+        </p:txBody>
+      </p:sp>
+      <p:sp>
+        <p:nvSpPr>
+          <p:cNvPr id="4" name="Slide Number Placeholder 3"/>
+          <p:cNvSpPr>
+            <a:spLocks noGrp="1"/>
+          </p:cNvSpPr>
+          <p:nvPr>
+            <p:ph type="sldNum" sz="quarter" idx="12"/>
+          </p:nvPr>
+        </p:nvSpPr>
+        <p:spPr/>
+        <p:txBody>
+          <a:bodyPr/>
+          <a:lstStyle/>
+          <a:p>
+            <a:fld id="{3AABC387-3E4C-4E29-BE46-EB037DD9B57B}" type="slidenum">
+              <a:rPr lang="en-US" smtClean="0"/>
+              <a:t>7</a:t>
+            </a:fld>
+            <a:endParaRPr lang="en-US"/>
           </a:p>
         </p:txBody>
       </p:sp>
@@ -6476,7 +9076,7 @@
 </p:sld>
 </file>
 
-<file path=ppt/slides/slide6.xml><?xml version="1.0" encoding="utf-8"?>
+<file path=ppt/slides/slide8.xml><?xml version="1.0" encoding="utf-8"?>
 <p:sld xmlns:a="http://schemas.openxmlformats.org/drawingml/2006/main" xmlns:r="http://schemas.openxmlformats.org/officeDocument/2006/relationships" xmlns:p="http://schemas.openxmlformats.org/presentationml/2006/main">
   <p:cSld>
     <p:spTree>
@@ -6522,7 +9122,7 @@
               <a:rPr lang="en-US" sz="3200" b="1" dirty="0" smtClean="0">
                 <a:solidFill>
                   <a:schemeClr val="bg1">
-                    <a:lumMod val="85000"/>
+                    <a:lumMod val="75000"/>
                   </a:schemeClr>
                 </a:solidFill>
               </a:rPr>
@@ -6537,7 +9137,7 @@
               <a:rPr lang="en-US" sz="2400" i="1" dirty="0" smtClean="0">
                 <a:solidFill>
                   <a:schemeClr val="bg1">
-                    <a:lumMod val="85000"/>
+                    <a:lumMod val="75000"/>
                   </a:schemeClr>
                 </a:solidFill>
               </a:rPr>
@@ -6546,7 +9146,7 @@
             <a:endParaRPr lang="en-US" sz="2400" i="1" dirty="0">
               <a:solidFill>
                 <a:schemeClr val="bg1">
-                  <a:lumMod val="85000"/>
+                  <a:lumMod val="75000"/>
                 </a:schemeClr>
               </a:solidFill>
             </a:endParaRPr>
@@ -6915,7 +9515,7 @@
               <a:rPr lang="en-US" b="1" dirty="0" smtClean="0">
                 <a:solidFill>
                   <a:schemeClr val="bg1">
-                    <a:lumMod val="85000"/>
+                    <a:lumMod val="75000"/>
                   </a:schemeClr>
                 </a:solidFill>
               </a:rPr>
@@ -6930,7 +9530,7 @@
               <a:rPr lang="en-US" sz="2400" i="1" dirty="0" smtClean="0">
                 <a:solidFill>
                   <a:schemeClr val="bg1">
-                    <a:lumMod val="85000"/>
+                    <a:lumMod val="75000"/>
                   </a:schemeClr>
                 </a:solidFill>
               </a:rPr>
@@ -6945,7 +9545,7 @@
               <a:rPr lang="en-US" sz="2400" i="1" dirty="0" smtClean="0">
                 <a:solidFill>
                   <a:schemeClr val="bg1">
-                    <a:lumMod val="85000"/>
+                    <a:lumMod val="75000"/>
                   </a:schemeClr>
                 </a:solidFill>
               </a:rPr>
@@ -6954,7 +9554,7 @@
             <a:endParaRPr lang="en-US" sz="2000" i="1" dirty="0" smtClean="0">
               <a:solidFill>
                 <a:schemeClr val="bg1">
-                  <a:lumMod val="85000"/>
+                  <a:lumMod val="75000"/>
                 </a:schemeClr>
               </a:solidFill>
             </a:endParaRPr>
@@ -6967,7 +9567,7 @@
             <a:endParaRPr lang="en-US" sz="2000" dirty="0" smtClean="0">
               <a:solidFill>
                 <a:schemeClr val="bg1">
-                  <a:lumMod val="85000"/>
+                  <a:lumMod val="75000"/>
                 </a:schemeClr>
               </a:solidFill>
             </a:endParaRPr>
@@ -7189,13 +9789,13 @@
           </a:prstGeom>
           <a:solidFill>
             <a:schemeClr val="bg1">
-              <a:lumMod val="95000"/>
+              <a:lumMod val="85000"/>
             </a:schemeClr>
           </a:solidFill>
           <a:ln>
             <a:solidFill>
               <a:schemeClr val="bg1">
-                <a:lumMod val="95000"/>
+                <a:lumMod val="85000"/>
               </a:schemeClr>
             </a:solidFill>
           </a:ln>
@@ -7249,6 +9849,11 @@
               <a:gd name="adj3" fmla="val 26732"/>
             </a:avLst>
           </a:prstGeom>
+          <a:ln>
+            <a:solidFill>
+              <a:schemeClr val="accent1"/>
+            </a:solidFill>
+          </a:ln>
         </p:spPr>
         <p:style>
           <a:lnRef idx="2">
@@ -7295,13 +9900,13 @@
           </a:prstGeom>
           <a:solidFill>
             <a:schemeClr val="bg1">
-              <a:lumMod val="95000"/>
+              <a:lumMod val="85000"/>
             </a:schemeClr>
           </a:solidFill>
           <a:ln>
             <a:solidFill>
               <a:schemeClr val="bg1">
-                <a:lumMod val="95000"/>
+                <a:lumMod val="85000"/>
               </a:schemeClr>
             </a:solidFill>
           </a:ln>
@@ -7331,253 +9936,33 @@
           </a:p>
         </p:txBody>
       </p:sp>
+      <p:sp>
+        <p:nvSpPr>
+          <p:cNvPr id="2" name="Slide Number Placeholder 1"/>
+          <p:cNvSpPr>
+            <a:spLocks noGrp="1"/>
+          </p:cNvSpPr>
+          <p:nvPr>
+            <p:ph type="sldNum" sz="quarter" idx="12"/>
+          </p:nvPr>
+        </p:nvSpPr>
+        <p:spPr/>
+        <p:txBody>
+          <a:bodyPr/>
+          <a:lstStyle/>
+          <a:p>
+            <a:fld id="{3AABC387-3E4C-4E29-BE46-EB037DD9B57B}" type="slidenum">
+              <a:rPr lang="en-US" smtClean="0"/>
+              <a:t>8</a:t>
+            </a:fld>
+            <a:endParaRPr lang="en-US"/>
+          </a:p>
+        </p:txBody>
+      </p:sp>
     </p:spTree>
     <p:extLst>
       <p:ext uri="{BB962C8B-B14F-4D97-AF65-F5344CB8AC3E}">
         <p14:creationId xmlns:p14="http://schemas.microsoft.com/office/powerpoint/2010/main" val="4254970577"/>
-      </p:ext>
-    </p:extLst>
-  </p:cSld>
-  <p:clrMapOvr>
-    <a:masterClrMapping/>
-  </p:clrMapOvr>
-  <p:timing>
-    <p:tnLst>
-      <p:par>
-        <p:cTn id="1" dur="indefinite" restart="never" nodeType="tmRoot"/>
-      </p:par>
-    </p:tnLst>
-  </p:timing>
-</p:sld>
-</file>
-
-<file path=ppt/slides/slide7.xml><?xml version="1.0" encoding="utf-8"?>
-<p:sld xmlns:a="http://schemas.openxmlformats.org/drawingml/2006/main" xmlns:r="http://schemas.openxmlformats.org/officeDocument/2006/relationships" xmlns:p="http://schemas.openxmlformats.org/presentationml/2006/main">
-  <p:cSld>
-    <p:spTree>
-      <p:nvGrpSpPr>
-        <p:cNvPr id="1" name=""/>
-        <p:cNvGrpSpPr/>
-        <p:nvPr/>
-      </p:nvGrpSpPr>
-      <p:grpSpPr>
-        <a:xfrm>
-          <a:off x="0" y="0"/>
-          <a:ext cx="0" cy="0"/>
-          <a:chOff x="0" y="0"/>
-          <a:chExt cx="0" cy="0"/>
-        </a:xfrm>
-      </p:grpSpPr>
-      <p:sp>
-        <p:nvSpPr>
-          <p:cNvPr id="2" name="Title 1"/>
-          <p:cNvSpPr>
-            <a:spLocks noGrp="1"/>
-          </p:cNvSpPr>
-          <p:nvPr>
-            <p:ph type="title"/>
-          </p:nvPr>
-        </p:nvSpPr>
-        <p:spPr/>
-        <p:txBody>
-          <a:bodyPr/>
-          <a:lstStyle/>
-          <a:p>
-            <a:r>
-              <a:rPr lang="en-US" dirty="0" smtClean="0"/>
-              <a:t>Progress: Graph Matching</a:t>
-            </a:r>
-            <a:endParaRPr lang="en-US" dirty="0"/>
-          </a:p>
-        </p:txBody>
-      </p:sp>
-      <p:sp>
-        <p:nvSpPr>
-          <p:cNvPr id="3" name="Content Placeholder 2"/>
-          <p:cNvSpPr>
-            <a:spLocks noGrp="1"/>
-          </p:cNvSpPr>
-          <p:nvPr>
-            <p:ph idx="1"/>
-          </p:nvPr>
-        </p:nvSpPr>
-        <p:spPr/>
-        <p:txBody>
-          <a:bodyPr>
-            <a:normAutofit/>
-          </a:bodyPr>
-          <a:lstStyle/>
-          <a:p>
-            <a:r>
-              <a:rPr lang="en-US" sz="3200" dirty="0"/>
-              <a:t>E</a:t>
-            </a:r>
-            <a:r>
-              <a:rPr lang="en-US" sz="3200" dirty="0" smtClean="0"/>
-              <a:t>xact </a:t>
-            </a:r>
-            <a:r>
-              <a:rPr lang="en-US" sz="3200" dirty="0" smtClean="0"/>
-              <a:t>graph matching</a:t>
-            </a:r>
-          </a:p>
-          <a:p>
-            <a:r>
-              <a:rPr lang="en-US" sz="3200" dirty="0"/>
-              <a:t>S</a:t>
-            </a:r>
-            <a:r>
-              <a:rPr lang="en-US" sz="3200" dirty="0" smtClean="0"/>
-              <a:t>tring </a:t>
-            </a:r>
-            <a:r>
-              <a:rPr lang="en-US" sz="3200" dirty="0" smtClean="0"/>
-              <a:t>matching</a:t>
-            </a:r>
-          </a:p>
-          <a:p>
-            <a:r>
-              <a:rPr lang="en-US" sz="3200" dirty="0"/>
-              <a:t>B</a:t>
-            </a:r>
-            <a:r>
-              <a:rPr lang="en-US" sz="3200" dirty="0" smtClean="0"/>
-              <a:t>ranch </a:t>
-            </a:r>
-            <a:r>
-              <a:rPr lang="en-US" sz="3200" dirty="0" smtClean="0"/>
-              <a:t>and </a:t>
-            </a:r>
-            <a:r>
-              <a:rPr lang="en-US" sz="3200" dirty="0" smtClean="0"/>
-              <a:t>bound</a:t>
-            </a:r>
-            <a:endParaRPr lang="en-US" sz="3200" dirty="0" smtClean="0"/>
-          </a:p>
-          <a:p>
-            <a:r>
-              <a:rPr lang="en-US" sz="3200" dirty="0"/>
-              <a:t>S</a:t>
-            </a:r>
-            <a:r>
-              <a:rPr lang="en-US" sz="3200" dirty="0" smtClean="0"/>
-              <a:t>imilarity </a:t>
-            </a:r>
-            <a:r>
-              <a:rPr lang="en-US" sz="3200" dirty="0" smtClean="0"/>
-              <a:t>matrix</a:t>
-            </a:r>
-          </a:p>
-          <a:p>
-            <a:r>
-              <a:rPr lang="en-US" sz="3200" dirty="0" smtClean="0"/>
-              <a:t>PQ-Gram</a:t>
-            </a:r>
-            <a:endParaRPr lang="en-US" sz="3200" dirty="0"/>
-          </a:p>
-        </p:txBody>
-      </p:sp>
-    </p:spTree>
-    <p:extLst>
-      <p:ext uri="{BB962C8B-B14F-4D97-AF65-F5344CB8AC3E}">
-        <p14:creationId xmlns:p14="http://schemas.microsoft.com/office/powerpoint/2010/main" val="3557992282"/>
-      </p:ext>
-    </p:extLst>
-  </p:cSld>
-  <p:clrMapOvr>
-    <a:masterClrMapping/>
-  </p:clrMapOvr>
-  <p:timing>
-    <p:tnLst>
-      <p:par>
-        <p:cTn id="1" dur="indefinite" restart="never" nodeType="tmRoot"/>
-      </p:par>
-    </p:tnLst>
-  </p:timing>
-</p:sld>
-</file>
-
-<file path=ppt/slides/slide8.xml><?xml version="1.0" encoding="utf-8"?>
-<p:sld xmlns:a="http://schemas.openxmlformats.org/drawingml/2006/main" xmlns:r="http://schemas.openxmlformats.org/officeDocument/2006/relationships" xmlns:p="http://schemas.openxmlformats.org/presentationml/2006/main">
-  <p:cSld>
-    <p:spTree>
-      <p:nvGrpSpPr>
-        <p:cNvPr id="1" name=""/>
-        <p:cNvGrpSpPr/>
-        <p:nvPr/>
-      </p:nvGrpSpPr>
-      <p:grpSpPr>
-        <a:xfrm>
-          <a:off x="0" y="0"/>
-          <a:ext cx="0" cy="0"/>
-          <a:chOff x="0" y="0"/>
-          <a:chExt cx="0" cy="0"/>
-        </a:xfrm>
-      </p:grpSpPr>
-      <p:sp>
-        <p:nvSpPr>
-          <p:cNvPr id="2" name="Title 1"/>
-          <p:cNvSpPr>
-            <a:spLocks noGrp="1"/>
-          </p:cNvSpPr>
-          <p:nvPr>
-            <p:ph type="title"/>
-          </p:nvPr>
-        </p:nvSpPr>
-        <p:spPr/>
-        <p:txBody>
-          <a:bodyPr/>
-          <a:lstStyle/>
-          <a:p>
-            <a:r>
-              <a:rPr lang="en-US" dirty="0" smtClean="0"/>
-              <a:t>Progress: Recommendations</a:t>
-            </a:r>
-            <a:endParaRPr lang="en-US" dirty="0"/>
-          </a:p>
-        </p:txBody>
-      </p:sp>
-      <p:sp>
-        <p:nvSpPr>
-          <p:cNvPr id="3" name="Content Placeholder 2"/>
-          <p:cNvSpPr>
-            <a:spLocks noGrp="1"/>
-          </p:cNvSpPr>
-          <p:nvPr>
-            <p:ph idx="1"/>
-          </p:nvPr>
-        </p:nvSpPr>
-        <p:spPr/>
-        <p:txBody>
-          <a:bodyPr>
-            <a:normAutofit/>
-          </a:bodyPr>
-          <a:lstStyle/>
-          <a:p>
-            <a:pPr marL="514350" indent="-514350">
-              <a:buAutoNum type="arabicPeriod"/>
-            </a:pPr>
-            <a:r>
-              <a:rPr lang="en-US" sz="3200" dirty="0" smtClean="0"/>
-              <a:t>PQ-Gram</a:t>
-            </a:r>
-          </a:p>
-          <a:p>
-            <a:pPr marL="514350" indent="-514350">
-              <a:buAutoNum type="arabicPeriod"/>
-            </a:pPr>
-            <a:r>
-              <a:rPr lang="en-US" sz="3200" dirty="0" smtClean="0"/>
-              <a:t>Similarity matrix</a:t>
-            </a:r>
-            <a:endParaRPr lang="en-US" sz="3200" dirty="0" smtClean="0"/>
-          </a:p>
-        </p:txBody>
-      </p:sp>
-    </p:spTree>
-    <p:extLst>
-      <p:ext uri="{BB962C8B-B14F-4D97-AF65-F5344CB8AC3E}">
-        <p14:creationId xmlns:p14="http://schemas.microsoft.com/office/powerpoint/2010/main" val="2579849260"/>
       </p:ext>
     </p:extLst>
   </p:cSld>
@@ -7628,7 +10013,7 @@
           <a:p>
             <a:r>
               <a:rPr lang="en-US" dirty="0" smtClean="0"/>
-              <a:t>Progress: User Interface</a:t>
+              <a:t>Progress: Graph Matching</a:t>
             </a:r>
             <a:endParaRPr lang="en-US" dirty="0"/>
           </a:p>
@@ -7652,35 +10037,81 @@
           <a:lstStyle/>
           <a:p>
             <a:r>
-              <a:rPr lang="en-US" sz="2800" dirty="0" smtClean="0"/>
-              <a:t>Eclipse Plugin Architecture</a:t>
-            </a:r>
-          </a:p>
-          <a:p>
-            <a:r>
-              <a:rPr lang="en-US" sz="2800" dirty="0" smtClean="0"/>
-              <a:t>Produce </a:t>
-            </a:r>
-            <a:r>
-              <a:rPr lang="en-US" sz="2800" dirty="0" smtClean="0"/>
-              <a:t>Abstract syntax tree </a:t>
-            </a:r>
-            <a:r>
-              <a:rPr lang="en-US" sz="2800" dirty="0" smtClean="0"/>
-              <a:t>using </a:t>
-            </a:r>
-            <a:r>
-              <a:rPr lang="en-US" sz="2800" dirty="0" smtClean="0"/>
-              <a:t>Java Development Tools</a:t>
-            </a:r>
-            <a:endParaRPr lang="en-US" sz="2800" dirty="0" smtClean="0"/>
+              <a:rPr lang="en-US" sz="3200" dirty="0"/>
+              <a:t>Branch and bound </a:t>
+            </a:r>
+            <a:r>
+              <a:rPr lang="en-US" sz="2000" dirty="0"/>
+              <a:t>(Allen, et.al; 1997</a:t>
+            </a:r>
+            <a:r>
+              <a:rPr lang="en-US" sz="2000" dirty="0" smtClean="0"/>
+              <a:t>)</a:t>
+            </a:r>
+            <a:endParaRPr lang="en-US" sz="2000" dirty="0" smtClean="0"/>
+          </a:p>
+          <a:p>
+            <a:r>
+              <a:rPr lang="en-US" sz="3200" dirty="0" smtClean="0"/>
+              <a:t>Exact graph matching </a:t>
+            </a:r>
+            <a:r>
+              <a:rPr lang="en-US" sz="2000" dirty="0" smtClean="0"/>
+              <a:t>(Etheredge; 2010)</a:t>
+            </a:r>
+            <a:endParaRPr lang="en-US" sz="3200" dirty="0" smtClean="0"/>
+          </a:p>
+          <a:p>
+            <a:r>
+              <a:rPr lang="en-US" sz="3200" dirty="0" smtClean="0"/>
+              <a:t>Similarity matrix</a:t>
+            </a:r>
+            <a:endParaRPr lang="en-US" sz="3200" dirty="0" smtClean="0"/>
+          </a:p>
+          <a:p>
+            <a:r>
+              <a:rPr lang="en-US" sz="3200" dirty="0" smtClean="0"/>
+              <a:t>pq</a:t>
+            </a:r>
+            <a:r>
+              <a:rPr lang="en-US" sz="3200" dirty="0" smtClean="0"/>
+              <a:t>-Gram </a:t>
+            </a:r>
+            <a:r>
+              <a:rPr lang="en-US" sz="2000" dirty="0" smtClean="0"/>
+              <a:t>(Augsten, et. al; 2005)</a:t>
+            </a:r>
+            <a:endParaRPr lang="en-US" sz="3200" dirty="0"/>
+          </a:p>
+        </p:txBody>
+      </p:sp>
+      <p:sp>
+        <p:nvSpPr>
+          <p:cNvPr id="4" name="Slide Number Placeholder 3"/>
+          <p:cNvSpPr>
+            <a:spLocks noGrp="1"/>
+          </p:cNvSpPr>
+          <p:nvPr>
+            <p:ph type="sldNum" sz="quarter" idx="12"/>
+          </p:nvPr>
+        </p:nvSpPr>
+        <p:spPr/>
+        <p:txBody>
+          <a:bodyPr/>
+          <a:lstStyle/>
+          <a:p>
+            <a:fld id="{3AABC387-3E4C-4E29-BE46-EB037DD9B57B}" type="slidenum">
+              <a:rPr lang="en-US" smtClean="0"/>
+              <a:t>9</a:t>
+            </a:fld>
+            <a:endParaRPr lang="en-US"/>
           </a:p>
         </p:txBody>
       </p:sp>
     </p:spTree>
     <p:extLst>
       <p:ext uri="{BB962C8B-B14F-4D97-AF65-F5344CB8AC3E}">
-        <p14:creationId xmlns:p14="http://schemas.microsoft.com/office/powerpoint/2010/main" val="2579849260"/>
+        <p14:creationId xmlns:p14="http://schemas.microsoft.com/office/powerpoint/2010/main" val="3557992282"/>
       </p:ext>
     </p:extLst>
   </p:cSld>

--- a/Documents/Fall Presentation.pptx
+++ b/Documents/Fall Presentation.pptx
@@ -781,11 +781,7 @@
           <a:p>
             <a:r>
               <a:rPr lang="en-US" dirty="0" smtClean="0"/>
-              <a:t>-  </a:t>
-            </a:r>
-            <a:r>
-              <a:rPr lang="en-US" dirty="0" smtClean="0"/>
-              <a:t>formative usability study (give the tool to a bunch of people, and give them a questionnaire at the end)</a:t>
+              <a:t>-  formative usability study (give the tool to a bunch of people, and give them a questionnaire at the end)</a:t>
             </a:r>
           </a:p>
           <a:p>
@@ -795,13 +791,8 @@
             </a:pPr>
             <a:r>
               <a:rPr lang="en-US" dirty="0" smtClean="0"/>
-              <a:t>summative usability study (observe each user at a time, more </a:t>
-            </a:r>
-            <a:r>
-              <a:rPr lang="en-US" dirty="0" smtClean="0"/>
-              <a:t>detailed)</a:t>
-            </a:r>
-            <a:endParaRPr lang="en-US" dirty="0" smtClean="0"/>
+              <a:t>summative usability study (observe each user at a time, more detailed)</a:t>
+            </a:r>
           </a:p>
           <a:p>
             <a:pPr marL="0" indent="0">
@@ -917,11 +908,7 @@
           <a:p>
             <a:r>
               <a:rPr lang="en-US" baseline="0" dirty="0" smtClean="0"/>
-              <a:t>CFG gives us more info to infer off </a:t>
-            </a:r>
-            <a:r>
-              <a:rPr lang="en-US" baseline="0" dirty="0" smtClean="0"/>
-              <a:t>of</a:t>
+              <a:t>CFG gives us more info to infer off of</a:t>
             </a:r>
             <a:endParaRPr lang="en-US" dirty="0" smtClean="0"/>
           </a:p>
@@ -1011,7 +998,6 @@
               <a:rPr lang="en-US" dirty="0" smtClean="0"/>
               <a:t>Kurtis</a:t>
             </a:r>
-            <a:endParaRPr lang="en-US" dirty="0" smtClean="0"/>
           </a:p>
         </p:txBody>
       </p:sp>
@@ -1099,7 +1085,6 @@
               <a:rPr lang="en-US" dirty="0" smtClean="0"/>
               <a:t>Richard</a:t>
             </a:r>
-            <a:endParaRPr lang="en-US" dirty="0" smtClean="0"/>
           </a:p>
         </p:txBody>
       </p:sp>
@@ -1198,11 +1183,7 @@
             </a:r>
             <a:r>
               <a:rPr lang="en-US" baseline="0" dirty="0" smtClean="0"/>
-              <a:t> you useful information in a given </a:t>
-            </a:r>
-            <a:r>
-              <a:rPr lang="en-US" baseline="0" dirty="0" smtClean="0"/>
-              <a:t>context</a:t>
+              <a:t> you useful information in a given context</a:t>
             </a:r>
             <a:endParaRPr lang="en-US" dirty="0" smtClean="0"/>
           </a:p>
@@ -5189,15 +5170,7 @@
             </a:pPr>
             <a:r>
               <a:rPr lang="en-US" sz="3200" dirty="0" smtClean="0"/>
-              <a:t>pq</a:t>
-            </a:r>
-            <a:r>
-              <a:rPr lang="en-US" sz="3200" dirty="0" smtClean="0"/>
-              <a:t>-Gram				Similarity </a:t>
-            </a:r>
-            <a:r>
-              <a:rPr lang="en-US" sz="3200" dirty="0" smtClean="0"/>
-              <a:t>matrix</a:t>
+              <a:t>pq-Gram				Similarity matrix</a:t>
             </a:r>
           </a:p>
         </p:txBody>
@@ -5497,15 +5470,7 @@
           <a:p>
             <a:r>
               <a:rPr lang="en-US" sz="2800" dirty="0" smtClean="0"/>
-              <a:t>Produce </a:t>
-            </a:r>
-            <a:r>
-              <a:rPr lang="en-US" sz="2800" dirty="0" smtClean="0"/>
-              <a:t>abstract </a:t>
-            </a:r>
-            <a:r>
-              <a:rPr lang="en-US" sz="2800" dirty="0" smtClean="0"/>
-              <a:t>syntax tree using Java Development Tools</a:t>
+              <a:t>Produce abstract syntax tree using Java Development Tools</a:t>
             </a:r>
           </a:p>
         </p:txBody>
@@ -5694,15 +5659,7 @@
           <a:p>
             <a:r>
               <a:rPr lang="en-US" sz="2800" dirty="0" smtClean="0"/>
-              <a:t>Pattern </a:t>
-            </a:r>
-            <a:r>
-              <a:rPr lang="en-US" sz="2800" dirty="0" smtClean="0"/>
-              <a:t>Definition </a:t>
-            </a:r>
-            <a:r>
-              <a:rPr lang="en-US" sz="2800" dirty="0" smtClean="0"/>
-              <a:t>Language</a:t>
+              <a:t>Pattern Definition Language</a:t>
             </a:r>
           </a:p>
           <a:p>
@@ -6392,7 +6349,6 @@
               <a:rPr lang="en-US" dirty="0"/>
               <a:t>E</a:t>
             </a:r>
-            <a:endParaRPr lang="en-US" dirty="0"/>
           </a:p>
         </p:txBody>
       </p:sp>
@@ -6436,7 +6392,6 @@
               <a:rPr lang="en-US" dirty="0"/>
               <a:t>B</a:t>
             </a:r>
-            <a:endParaRPr lang="en-US" dirty="0"/>
           </a:p>
         </p:txBody>
       </p:sp>
@@ -6480,7 +6435,6 @@
               <a:rPr lang="en-US" dirty="0"/>
               <a:t>D</a:t>
             </a:r>
-            <a:endParaRPr lang="en-US" dirty="0"/>
           </a:p>
         </p:txBody>
       </p:sp>
@@ -6796,7 +6750,6 @@
               <a:rPr lang="en-US" dirty="0"/>
               <a:t>E</a:t>
             </a:r>
-            <a:endParaRPr lang="en-US" dirty="0"/>
           </a:p>
         </p:txBody>
       </p:sp>
@@ -6840,7 +6793,6 @@
               <a:rPr lang="en-US" dirty="0"/>
               <a:t>B</a:t>
             </a:r>
-            <a:endParaRPr lang="en-US" dirty="0"/>
           </a:p>
         </p:txBody>
       </p:sp>
@@ -6960,7 +6912,7 @@
         </p:nvSpPr>
         <p:spPr>
           <a:xfrm flipH="1">
-            <a:off x="4760257" y="4797382"/>
+            <a:off x="4388401" y="4769950"/>
             <a:ext cx="533400" cy="384980"/>
           </a:xfrm>
           <a:prstGeom prst="rightArrow">
@@ -7000,7 +6952,7 @@
         </p:nvSpPr>
         <p:spPr>
           <a:xfrm>
-            <a:off x="6265164" y="3989832"/>
+            <a:off x="5807964" y="3962400"/>
             <a:ext cx="431292" cy="431292"/>
           </a:xfrm>
           <a:prstGeom prst="ellipse">
@@ -7044,7 +6996,7 @@
         </p:nvSpPr>
         <p:spPr>
           <a:xfrm>
-            <a:off x="6722364" y="4751070"/>
+            <a:off x="6265164" y="4723638"/>
             <a:ext cx="431292" cy="431292"/>
           </a:xfrm>
           <a:prstGeom prst="ellipse">
@@ -7088,7 +7040,7 @@
         </p:nvSpPr>
         <p:spPr>
           <a:xfrm>
-            <a:off x="5807964" y="5563362"/>
+            <a:off x="5350764" y="5535930"/>
             <a:ext cx="431292" cy="431292"/>
           </a:xfrm>
           <a:prstGeom prst="ellipse">
@@ -7120,7 +7072,6 @@
               <a:rPr lang="en-US" dirty="0"/>
               <a:t>E</a:t>
             </a:r>
-            <a:endParaRPr lang="en-US" dirty="0"/>
           </a:p>
         </p:txBody>
       </p:sp>
@@ -7132,7 +7083,7 @@
         </p:nvSpPr>
         <p:spPr>
           <a:xfrm>
-            <a:off x="5808683" y="4771899"/>
+            <a:off x="5351483" y="4744467"/>
             <a:ext cx="431292" cy="431292"/>
           </a:xfrm>
           <a:prstGeom prst="ellipse">
@@ -7164,7 +7115,6 @@
               <a:rPr lang="en-US" dirty="0"/>
               <a:t>B</a:t>
             </a:r>
-            <a:endParaRPr lang="en-US" dirty="0"/>
           </a:p>
         </p:txBody>
       </p:sp>
@@ -7176,7 +7126,7 @@
         </p:nvSpPr>
         <p:spPr>
           <a:xfrm>
-            <a:off x="6731508" y="5541264"/>
+            <a:off x="6274308" y="5513832"/>
             <a:ext cx="431292" cy="431292"/>
           </a:xfrm>
           <a:prstGeom prst="ellipse">
@@ -7223,7 +7173,7 @@
         </p:nvCxnSpPr>
         <p:spPr>
           <a:xfrm flipH="1">
-            <a:off x="6024329" y="4357963"/>
+            <a:off x="5567129" y="4330531"/>
             <a:ext cx="303996" cy="413936"/>
           </a:xfrm>
           <a:prstGeom prst="straightConnector1">
@@ -7259,7 +7209,7 @@
         </p:nvCxnSpPr>
         <p:spPr>
           <a:xfrm>
-            <a:off x="6633295" y="4357963"/>
+            <a:off x="6176095" y="4330531"/>
             <a:ext cx="304715" cy="393107"/>
           </a:xfrm>
           <a:prstGeom prst="straightConnector1">
@@ -7295,7 +7245,7 @@
         </p:nvCxnSpPr>
         <p:spPr>
           <a:xfrm>
-            <a:off x="6938010" y="5182362"/>
+            <a:off x="6480810" y="5154930"/>
             <a:ext cx="9144" cy="358902"/>
           </a:xfrm>
           <a:prstGeom prst="straightConnector1">
@@ -7331,7 +7281,7 @@
         </p:nvCxnSpPr>
         <p:spPr>
           <a:xfrm flipH="1">
-            <a:off x="6023610" y="5203191"/>
+            <a:off x="5566410" y="5175759"/>
             <a:ext cx="719" cy="360171"/>
           </a:xfrm>
           <a:prstGeom prst="straightConnector1">
@@ -7364,7 +7314,7 @@
         </p:nvSpPr>
         <p:spPr>
           <a:xfrm>
-            <a:off x="5858256" y="1856232"/>
+            <a:off x="5410200" y="1856232"/>
             <a:ext cx="1139190" cy="369332"/>
           </a:xfrm>
           <a:prstGeom prst="rect">
@@ -7394,7 +7344,7 @@
         </p:nvSpPr>
         <p:spPr>
           <a:xfrm flipV="1">
-            <a:off x="5935133" y="2389632"/>
+            <a:off x="5487077" y="2389632"/>
             <a:ext cx="761323" cy="791463"/>
           </a:xfrm>
           <a:prstGeom prst="bentUpArrow">
@@ -7438,7 +7388,7 @@
         </p:nvSpPr>
         <p:spPr>
           <a:xfrm>
-            <a:off x="4258056" y="4306300"/>
+            <a:off x="3886200" y="4278868"/>
             <a:ext cx="1600200" cy="369332"/>
           </a:xfrm>
           <a:prstGeom prst="rect">
@@ -7498,7 +7448,7 @@
         </p:nvSpPr>
         <p:spPr>
           <a:xfrm>
-            <a:off x="3302508" y="4014978"/>
+            <a:off x="2988564" y="3987546"/>
             <a:ext cx="431292" cy="431292"/>
           </a:xfrm>
           <a:prstGeom prst="ellipse">
@@ -7541,7 +7491,7 @@
         </p:nvSpPr>
         <p:spPr>
           <a:xfrm>
-            <a:off x="3759708" y="4776216"/>
+            <a:off x="3445764" y="4748784"/>
             <a:ext cx="431292" cy="431292"/>
           </a:xfrm>
           <a:prstGeom prst="ellipse">
@@ -7585,7 +7535,7 @@
         </p:nvSpPr>
         <p:spPr>
           <a:xfrm>
-            <a:off x="2845308" y="5588508"/>
+            <a:off x="2531364" y="5561076"/>
             <a:ext cx="431292" cy="431292"/>
           </a:xfrm>
           <a:prstGeom prst="ellipse">
@@ -7617,7 +7567,6 @@
               <a:rPr lang="en-US" dirty="0"/>
               <a:t>E</a:t>
             </a:r>
-            <a:endParaRPr lang="en-US" dirty="0"/>
           </a:p>
         </p:txBody>
       </p:sp>
@@ -7629,7 +7578,7 @@
         </p:nvSpPr>
         <p:spPr>
           <a:xfrm>
-            <a:off x="2846027" y="4797045"/>
+            <a:off x="2532083" y="4769613"/>
             <a:ext cx="431292" cy="431292"/>
           </a:xfrm>
           <a:prstGeom prst="ellipse">
@@ -7661,7 +7610,6 @@
               <a:rPr lang="en-US" dirty="0"/>
               <a:t>B</a:t>
             </a:r>
-            <a:endParaRPr lang="en-US" dirty="0"/>
           </a:p>
         </p:txBody>
       </p:sp>
@@ -7673,7 +7621,7 @@
         </p:nvSpPr>
         <p:spPr>
           <a:xfrm>
-            <a:off x="3768852" y="5566410"/>
+            <a:off x="3454908" y="5538978"/>
             <a:ext cx="431292" cy="431292"/>
           </a:xfrm>
           <a:prstGeom prst="ellipse">
@@ -7720,7 +7668,7 @@
         </p:nvCxnSpPr>
         <p:spPr>
           <a:xfrm flipH="1">
-            <a:off x="3061673" y="4383109"/>
+            <a:off x="2747729" y="4355677"/>
             <a:ext cx="303996" cy="413936"/>
           </a:xfrm>
           <a:prstGeom prst="straightConnector1">
@@ -7756,7 +7704,7 @@
         </p:nvCxnSpPr>
         <p:spPr>
           <a:xfrm>
-            <a:off x="3670639" y="4383109"/>
+            <a:off x="3356695" y="4355677"/>
             <a:ext cx="304715" cy="393107"/>
           </a:xfrm>
           <a:prstGeom prst="straightConnector1">
@@ -7792,7 +7740,7 @@
         </p:nvCxnSpPr>
         <p:spPr>
           <a:xfrm>
-            <a:off x="3975354" y="5207508"/>
+            <a:off x="3661410" y="5180076"/>
             <a:ext cx="9144" cy="358902"/>
           </a:xfrm>
           <a:prstGeom prst="straightConnector1">
@@ -7828,7 +7776,7 @@
         </p:nvCxnSpPr>
         <p:spPr>
           <a:xfrm flipH="1">
-            <a:off x="3060954" y="5228337"/>
+            <a:off x="2747010" y="5200905"/>
             <a:ext cx="719" cy="360171"/>
           </a:xfrm>
           <a:prstGeom prst="straightConnector1">
@@ -10048,7 +9996,6 @@
               <a:rPr lang="en-US" sz="2000" dirty="0" smtClean="0"/>
               <a:t>)</a:t>
             </a:r>
-            <a:endParaRPr lang="en-US" sz="2000" dirty="0" smtClean="0"/>
           </a:p>
           <a:p>
             <a:r>
@@ -10066,16 +10013,11 @@
               <a:rPr lang="en-US" sz="3200" dirty="0" smtClean="0"/>
               <a:t>Similarity matrix</a:t>
             </a:r>
-            <a:endParaRPr lang="en-US" sz="3200" dirty="0" smtClean="0"/>
           </a:p>
           <a:p>
             <a:r>
               <a:rPr lang="en-US" sz="3200" dirty="0" smtClean="0"/>
-              <a:t>pq</a:t>
-            </a:r>
-            <a:r>
-              <a:rPr lang="en-US" sz="3200" dirty="0" smtClean="0"/>
-              <a:t>-Gram </a:t>
+              <a:t>pq-Gram </a:t>
             </a:r>
             <a:r>
               <a:rPr lang="en-US" sz="2000" dirty="0" smtClean="0"/>
